--- a/Ressources/Presentation_Projet_CrossLaPro_E3_Danel.pptx
+++ b/Ressources/Presentation_Projet_CrossLaPro_E3_Danel.pptx
@@ -5,26 +5,37 @@
     <p:sldMasterId id="2147483673" r:id="rId1"/>
   </p:sldMasterIdLst>
   <p:notesMasterIdLst>
-    <p:notesMasterId r:id="rId16"/>
+    <p:notesMasterId r:id="rId27"/>
   </p:notesMasterIdLst>
   <p:handoutMasterIdLst>
-    <p:handoutMasterId r:id="rId17"/>
+    <p:handoutMasterId r:id="rId28"/>
   </p:handoutMasterIdLst>
   <p:sldIdLst>
     <p:sldId id="256" r:id="rId2"/>
     <p:sldId id="257" r:id="rId3"/>
     <p:sldId id="258" r:id="rId4"/>
     <p:sldId id="272" r:id="rId5"/>
-    <p:sldId id="262" r:id="rId6"/>
-    <p:sldId id="273" r:id="rId7"/>
-    <p:sldId id="259" r:id="rId8"/>
-    <p:sldId id="260" r:id="rId9"/>
-    <p:sldId id="261" r:id="rId10"/>
-    <p:sldId id="265" r:id="rId11"/>
-    <p:sldId id="263" r:id="rId12"/>
-    <p:sldId id="274" r:id="rId13"/>
-    <p:sldId id="275" r:id="rId14"/>
-    <p:sldId id="276" r:id="rId15"/>
+    <p:sldId id="277" r:id="rId6"/>
+    <p:sldId id="286" r:id="rId7"/>
+    <p:sldId id="287" r:id="rId8"/>
+    <p:sldId id="262" r:id="rId9"/>
+    <p:sldId id="288" r:id="rId10"/>
+    <p:sldId id="278" r:id="rId11"/>
+    <p:sldId id="273" r:id="rId12"/>
+    <p:sldId id="259" r:id="rId13"/>
+    <p:sldId id="260" r:id="rId14"/>
+    <p:sldId id="261" r:id="rId15"/>
+    <p:sldId id="265" r:id="rId16"/>
+    <p:sldId id="263" r:id="rId17"/>
+    <p:sldId id="274" r:id="rId18"/>
+    <p:sldId id="280" r:id="rId19"/>
+    <p:sldId id="281" r:id="rId20"/>
+    <p:sldId id="276" r:id="rId21"/>
+    <p:sldId id="275" r:id="rId22"/>
+    <p:sldId id="282" r:id="rId23"/>
+    <p:sldId id="283" r:id="rId24"/>
+    <p:sldId id="284" r:id="rId25"/>
+    <p:sldId id="285" r:id="rId26"/>
   </p:sldIdLst>
   <p:sldSz cx="9144000" cy="6858000" type="screen4x3"/>
   <p:notesSz cx="6858000" cy="9144000"/>
@@ -142,1040 +153,6 @@
 </p:presentation>
 </file>
 
-<file path=ppt/charts/chart1.xml><?xml version="1.0" encoding="utf-8"?>
-<c:chartSpace xmlns:c="http://schemas.openxmlformats.org/drawingml/2006/chart" xmlns:a="http://schemas.openxmlformats.org/drawingml/2006/main" xmlns:r="http://schemas.openxmlformats.org/officeDocument/2006/relationships" xmlns:c16r2="http://schemas.microsoft.com/office/drawing/2015/06/chart">
-  <c:date1904 val="0"/>
-  <c:lang val="fr-FR"/>
-  <c:roundedCorners val="0"/>
-  <mc:AlternateContent xmlns:mc="http://schemas.openxmlformats.org/markup-compatibility/2006">
-    <mc:Choice xmlns:c14="http://schemas.microsoft.com/office/drawing/2007/8/2/chart" Requires="c14">
-      <c14:style val="102"/>
-    </mc:Choice>
-    <mc:Fallback>
-      <c:style val="2"/>
-    </mc:Fallback>
-  </mc:AlternateContent>
-  <c:chart>
-    <c:title>
-      <c:tx>
-        <c:rich>
-          <a:bodyPr rot="0" spcFirstLastPara="1" vertOverflow="ellipsis" vert="horz" wrap="square" anchor="ctr" anchorCtr="1"/>
-          <a:lstStyle/>
-          <a:p>
-            <a:pPr>
-              <a:defRPr sz="1800" b="1" i="0" u="none" strike="noStrike" kern="1200" baseline="0">
-                <a:solidFill>
-                  <a:schemeClr val="dk1">
-                    <a:lumMod val="75000"/>
-                    <a:lumOff val="25000"/>
-                  </a:schemeClr>
-                </a:solidFill>
-                <a:latin typeface="+mn-lt"/>
-                <a:ea typeface="+mn-ea"/>
-                <a:cs typeface="+mn-cs"/>
-              </a:defRPr>
-            </a:pPr>
-            <a:r>
-              <a:rPr lang="fr-FR"/>
-              <a:t>CRA</a:t>
-            </a:r>
-          </a:p>
-        </c:rich>
-      </c:tx>
-      <c:layout>
-        <c:manualLayout>
-          <c:xMode val="edge"/>
-          <c:yMode val="edge"/>
-          <c:x val="0.37119119725418931"/>
-          <c:y val="1.4532243415077202E-2"/>
-        </c:manualLayout>
-      </c:layout>
-      <c:overlay val="0"/>
-      <c:spPr>
-        <a:noFill/>
-        <a:ln>
-          <a:noFill/>
-        </a:ln>
-        <a:effectLst/>
-      </c:spPr>
-      <c:txPr>
-        <a:bodyPr rot="0" spcFirstLastPara="1" vertOverflow="ellipsis" vert="horz" wrap="square" anchor="ctr" anchorCtr="1"/>
-        <a:lstStyle/>
-        <a:p>
-          <a:pPr>
-            <a:defRPr sz="1800" b="1" i="0" u="none" strike="noStrike" kern="1200" baseline="0">
-              <a:solidFill>
-                <a:schemeClr val="dk1">
-                  <a:lumMod val="75000"/>
-                  <a:lumOff val="25000"/>
-                </a:schemeClr>
-              </a:solidFill>
-              <a:latin typeface="+mn-lt"/>
-              <a:ea typeface="+mn-ea"/>
-              <a:cs typeface="+mn-cs"/>
-            </a:defRPr>
-          </a:pPr>
-          <a:endParaRPr lang="fr-FR"/>
-        </a:p>
-      </c:txPr>
-    </c:title>
-    <c:autoTitleDeleted val="0"/>
-    <c:plotArea>
-      <c:layout/>
-      <c:pieChart>
-        <c:varyColors val="1"/>
-        <c:ser>
-          <c:idx val="0"/>
-          <c:order val="0"/>
-          <c:dPt>
-            <c:idx val="0"/>
-            <c:bubble3D val="0"/>
-            <c:spPr>
-              <a:solidFill>
-                <a:schemeClr val="accent1"/>
-              </a:solidFill>
-              <a:ln>
-                <a:noFill/>
-              </a:ln>
-              <a:effectLst>
-                <a:outerShdw blurRad="254000" sx="102000" sy="102000" algn="ctr" rotWithShape="0">
-                  <a:prstClr val="black">
-                    <a:alpha val="20000"/>
-                  </a:prstClr>
-                </a:outerShdw>
-              </a:effectLst>
-            </c:spPr>
-            <c:extLst>
-              <c:ext xmlns:c16="http://schemas.microsoft.com/office/drawing/2014/chart" uri="{C3380CC4-5D6E-409C-BE32-E72D297353CC}">
-                <c16:uniqueId val="{00000001-B25F-415B-87DF-94342315026D}"/>
-              </c:ext>
-            </c:extLst>
-          </c:dPt>
-          <c:dPt>
-            <c:idx val="1"/>
-            <c:bubble3D val="0"/>
-            <c:spPr>
-              <a:solidFill>
-                <a:schemeClr val="accent2"/>
-              </a:solidFill>
-              <a:ln>
-                <a:noFill/>
-              </a:ln>
-              <a:effectLst>
-                <a:outerShdw blurRad="254000" sx="102000" sy="102000" algn="ctr" rotWithShape="0">
-                  <a:prstClr val="black">
-                    <a:alpha val="20000"/>
-                  </a:prstClr>
-                </a:outerShdw>
-              </a:effectLst>
-            </c:spPr>
-            <c:extLst>
-              <c:ext xmlns:c16="http://schemas.microsoft.com/office/drawing/2014/chart" uri="{C3380CC4-5D6E-409C-BE32-E72D297353CC}">
-                <c16:uniqueId val="{00000003-B25F-415B-87DF-94342315026D}"/>
-              </c:ext>
-            </c:extLst>
-          </c:dPt>
-          <c:dPt>
-            <c:idx val="2"/>
-            <c:bubble3D val="0"/>
-            <c:spPr>
-              <a:solidFill>
-                <a:schemeClr val="accent3"/>
-              </a:solidFill>
-              <a:ln>
-                <a:noFill/>
-              </a:ln>
-              <a:effectLst>
-                <a:outerShdw blurRad="254000" sx="102000" sy="102000" algn="ctr" rotWithShape="0">
-                  <a:prstClr val="black">
-                    <a:alpha val="20000"/>
-                  </a:prstClr>
-                </a:outerShdw>
-              </a:effectLst>
-            </c:spPr>
-            <c:extLst>
-              <c:ext xmlns:c16="http://schemas.microsoft.com/office/drawing/2014/chart" uri="{C3380CC4-5D6E-409C-BE32-E72D297353CC}">
-                <c16:uniqueId val="{00000005-B25F-415B-87DF-94342315026D}"/>
-              </c:ext>
-            </c:extLst>
-          </c:dPt>
-          <c:dPt>
-            <c:idx val="3"/>
-            <c:bubble3D val="0"/>
-            <c:spPr>
-              <a:solidFill>
-                <a:schemeClr val="accent4"/>
-              </a:solidFill>
-              <a:ln>
-                <a:noFill/>
-              </a:ln>
-              <a:effectLst>
-                <a:outerShdw blurRad="254000" sx="102000" sy="102000" algn="ctr" rotWithShape="0">
-                  <a:prstClr val="black">
-                    <a:alpha val="20000"/>
-                  </a:prstClr>
-                </a:outerShdw>
-              </a:effectLst>
-            </c:spPr>
-            <c:extLst>
-              <c:ext xmlns:c16="http://schemas.microsoft.com/office/drawing/2014/chart" uri="{C3380CC4-5D6E-409C-BE32-E72D297353CC}">
-                <c16:uniqueId val="{00000007-B25F-415B-87DF-94342315026D}"/>
-              </c:ext>
-            </c:extLst>
-          </c:dPt>
-          <c:dLbls>
-            <c:spPr>
-              <a:pattFill prst="pct75">
-                <a:fgClr>
-                  <a:schemeClr val="dk1">
-                    <a:lumMod val="75000"/>
-                    <a:lumOff val="25000"/>
-                  </a:schemeClr>
-                </a:fgClr>
-                <a:bgClr>
-                  <a:schemeClr val="dk1">
-                    <a:lumMod val="65000"/>
-                    <a:lumOff val="35000"/>
-                  </a:schemeClr>
-                </a:bgClr>
-              </a:pattFill>
-              <a:ln>
-                <a:noFill/>
-              </a:ln>
-              <a:effectLst>
-                <a:outerShdw blurRad="50800" dist="38100" dir="2700000" algn="tl" rotWithShape="0">
-                  <a:prstClr val="black">
-                    <a:alpha val="40000"/>
-                  </a:prstClr>
-                </a:outerShdw>
-              </a:effectLst>
-            </c:spPr>
-            <c:txPr>
-              <a:bodyPr rot="0" spcFirstLastPara="1" vertOverflow="ellipsis" vert="horz" wrap="square" lIns="38100" tIns="19050" rIns="38100" bIns="19050" anchor="ctr" anchorCtr="1">
-                <a:spAutoFit/>
-              </a:bodyPr>
-              <a:lstStyle/>
-              <a:p>
-                <a:pPr>
-                  <a:defRPr sz="1000" b="1" i="0" u="none" strike="noStrike" kern="1200" baseline="0">
-                    <a:solidFill>
-                      <a:schemeClr val="lt1"/>
-                    </a:solidFill>
-                    <a:latin typeface="+mn-lt"/>
-                    <a:ea typeface="+mn-ea"/>
-                    <a:cs typeface="+mn-cs"/>
-                  </a:defRPr>
-                </a:pPr>
-                <a:endParaRPr lang="fr-FR"/>
-              </a:p>
-            </c:txPr>
-            <c:dLblPos val="ctr"/>
-            <c:showLegendKey val="0"/>
-            <c:showVal val="0"/>
-            <c:showCatName val="0"/>
-            <c:showSerName val="0"/>
-            <c:showPercent val="1"/>
-            <c:showBubbleSize val="0"/>
-            <c:showLeaderLines val="1"/>
-            <c:leaderLines>
-              <c:spPr>
-                <a:ln w="9525">
-                  <a:solidFill>
-                    <a:schemeClr val="dk1">
-                      <a:lumMod val="50000"/>
-                      <a:lumOff val="50000"/>
-                    </a:schemeClr>
-                  </a:solidFill>
-                </a:ln>
-                <a:effectLst/>
-              </c:spPr>
-            </c:leaderLines>
-            <c:extLst>
-              <c:ext xmlns:c15="http://schemas.microsoft.com/office/drawing/2012/chart" uri="{CE6537A1-D6FC-4f65-9D91-7224C49458BB}">
-                <c15:layout/>
-              </c:ext>
-            </c:extLst>
-          </c:dLbls>
-          <c:cat>
-            <c:strRef>
-              <c:f>Feuil1!$A$2:$A$5</c:f>
-              <c:strCache>
-                <c:ptCount val="4"/>
-                <c:pt idx="0">
-                  <c:v>Analyse</c:v>
-                </c:pt>
-                <c:pt idx="1">
-                  <c:v>Développement</c:v>
-                </c:pt>
-                <c:pt idx="2">
-                  <c:v>Test</c:v>
-                </c:pt>
-                <c:pt idx="3">
-                  <c:v>Intégration</c:v>
-                </c:pt>
-              </c:strCache>
-            </c:strRef>
-          </c:cat>
-          <c:val>
-            <c:numRef>
-              <c:f>Feuil1!$B$2:$B$5</c:f>
-              <c:numCache>
-                <c:formatCode>General</c:formatCode>
-                <c:ptCount val="4"/>
-                <c:pt idx="0">
-                  <c:v>62</c:v>
-                </c:pt>
-                <c:pt idx="1">
-                  <c:v>22</c:v>
-                </c:pt>
-                <c:pt idx="2">
-                  <c:v>12</c:v>
-                </c:pt>
-                <c:pt idx="3">
-                  <c:v>12</c:v>
-                </c:pt>
-              </c:numCache>
-            </c:numRef>
-          </c:val>
-          <c:extLst>
-            <c:ext xmlns:c16="http://schemas.microsoft.com/office/drawing/2014/chart" uri="{C3380CC4-5D6E-409C-BE32-E72D297353CC}">
-              <c16:uniqueId val="{00000008-B25F-415B-87DF-94342315026D}"/>
-            </c:ext>
-          </c:extLst>
-        </c:ser>
-        <c:dLbls>
-          <c:dLblPos val="ctr"/>
-          <c:showLegendKey val="0"/>
-          <c:showVal val="0"/>
-          <c:showCatName val="0"/>
-          <c:showSerName val="0"/>
-          <c:showPercent val="1"/>
-          <c:showBubbleSize val="0"/>
-          <c:showLeaderLines val="1"/>
-        </c:dLbls>
-        <c:firstSliceAng val="0"/>
-      </c:pieChart>
-      <c:spPr>
-        <a:noFill/>
-        <a:ln>
-          <a:noFill/>
-        </a:ln>
-        <a:effectLst/>
-      </c:spPr>
-    </c:plotArea>
-    <c:legend>
-      <c:legendPos val="r"/>
-      <c:layout/>
-      <c:overlay val="0"/>
-      <c:spPr>
-        <a:solidFill>
-          <a:schemeClr val="lt1">
-            <a:lumMod val="95000"/>
-            <a:alpha val="39000"/>
-          </a:schemeClr>
-        </a:solidFill>
-        <a:ln>
-          <a:noFill/>
-        </a:ln>
-        <a:effectLst/>
-      </c:spPr>
-      <c:txPr>
-        <a:bodyPr rot="0" spcFirstLastPara="1" vertOverflow="ellipsis" vert="horz" wrap="square" anchor="ctr" anchorCtr="1"/>
-        <a:lstStyle/>
-        <a:p>
-          <a:pPr>
-            <a:defRPr sz="2000" b="0" i="0" u="none" strike="noStrike" kern="1200" baseline="0">
-              <a:solidFill>
-                <a:schemeClr val="dk1">
-                  <a:lumMod val="75000"/>
-                  <a:lumOff val="25000"/>
-                </a:schemeClr>
-              </a:solidFill>
-              <a:latin typeface="+mn-lt"/>
-              <a:ea typeface="+mn-ea"/>
-              <a:cs typeface="+mn-cs"/>
-            </a:defRPr>
-          </a:pPr>
-          <a:endParaRPr lang="fr-FR"/>
-        </a:p>
-      </c:txPr>
-    </c:legend>
-    <c:plotVisOnly val="1"/>
-    <c:dispBlanksAs val="gap"/>
-    <c:showDLblsOverMax val="0"/>
-  </c:chart>
-  <c:spPr>
-    <a:solidFill>
-      <a:schemeClr val="bg1"/>
-    </a:solidFill>
-    <a:ln w="9525" cap="flat" cmpd="sng" algn="ctr">
-      <a:solidFill>
-        <a:schemeClr val="dk1">
-          <a:lumMod val="25000"/>
-          <a:lumOff val="75000"/>
-        </a:schemeClr>
-      </a:solidFill>
-      <a:round/>
-    </a:ln>
-    <a:effectLst/>
-  </c:spPr>
-  <c:txPr>
-    <a:bodyPr/>
-    <a:lstStyle/>
-    <a:p>
-      <a:pPr>
-        <a:defRPr/>
-      </a:pPr>
-      <a:endParaRPr lang="fr-FR"/>
-    </a:p>
-  </c:txPr>
-  <c:externalData r:id="rId3">
-    <c:autoUpdate val="0"/>
-  </c:externalData>
-</c:chartSpace>
-</file>
-
-<file path=ppt/charts/colors1.xml><?xml version="1.0" encoding="utf-8"?>
-<cs:colorStyle xmlns:cs="http://schemas.microsoft.com/office/drawing/2012/chartStyle" xmlns:a="http://schemas.openxmlformats.org/drawingml/2006/main" meth="cycle" id="10">
-  <a:schemeClr val="accent1"/>
-  <a:schemeClr val="accent2"/>
-  <a:schemeClr val="accent3"/>
-  <a:schemeClr val="accent4"/>
-  <a:schemeClr val="accent5"/>
-  <a:schemeClr val="accent6"/>
-  <cs:variation/>
-  <cs:variation>
-    <a:lumMod val="60000"/>
-  </cs:variation>
-  <cs:variation>
-    <a:lumMod val="80000"/>
-    <a:lumOff val="20000"/>
-  </cs:variation>
-  <cs:variation>
-    <a:lumMod val="80000"/>
-  </cs:variation>
-  <cs:variation>
-    <a:lumMod val="60000"/>
-    <a:lumOff val="40000"/>
-  </cs:variation>
-  <cs:variation>
-    <a:lumMod val="50000"/>
-  </cs:variation>
-  <cs:variation>
-    <a:lumMod val="70000"/>
-    <a:lumOff val="30000"/>
-  </cs:variation>
-  <cs:variation>
-    <a:lumMod val="70000"/>
-  </cs:variation>
-  <cs:variation>
-    <a:lumMod val="50000"/>
-    <a:lumOff val="50000"/>
-  </cs:variation>
-</cs:colorStyle>
-</file>
-
-<file path=ppt/charts/style1.xml><?xml version="1.0" encoding="utf-8"?>
-<cs:chartStyle xmlns:cs="http://schemas.microsoft.com/office/drawing/2012/chartStyle" xmlns:a="http://schemas.openxmlformats.org/drawingml/2006/main" id="253">
-  <cs:axisTitle>
-    <cs:lnRef idx="0"/>
-    <cs:fillRef idx="0"/>
-    <cs:effectRef idx="0"/>
-    <cs:fontRef idx="minor">
-      <a:schemeClr val="dk1">
-        <a:lumMod val="75000"/>
-        <a:lumOff val="25000"/>
-      </a:schemeClr>
-    </cs:fontRef>
-    <cs:defRPr sz="900" b="1" kern="1200"/>
-  </cs:axisTitle>
-  <cs:categoryAxis>
-    <cs:lnRef idx="0"/>
-    <cs:fillRef idx="0"/>
-    <cs:effectRef idx="0"/>
-    <cs:fontRef idx="minor">
-      <a:schemeClr val="dk1">
-        <a:lumMod val="75000"/>
-        <a:lumOff val="25000"/>
-      </a:schemeClr>
-    </cs:fontRef>
-    <cs:spPr>
-      <a:ln w="19050" cap="flat" cmpd="sng" algn="ctr">
-        <a:solidFill>
-          <a:schemeClr val="dk1">
-            <a:lumMod val="75000"/>
-            <a:lumOff val="25000"/>
-          </a:schemeClr>
-        </a:solidFill>
-        <a:round/>
-      </a:ln>
-    </cs:spPr>
-    <cs:defRPr sz="900" kern="1200" cap="all" baseline="0"/>
-  </cs:categoryAxis>
-  <cs:chartArea>
-    <cs:lnRef idx="0"/>
-    <cs:fillRef idx="0"/>
-    <cs:effectRef idx="0"/>
-    <cs:fontRef idx="minor">
-      <a:schemeClr val="dk1"/>
-    </cs:fontRef>
-    <cs:spPr>
-      <a:gradFill flip="none" rotWithShape="1">
-        <a:gsLst>
-          <a:gs pos="0">
-            <a:schemeClr val="lt1"/>
-          </a:gs>
-          <a:gs pos="39000">
-            <a:schemeClr val="lt1"/>
-          </a:gs>
-          <a:gs pos="100000">
-            <a:schemeClr val="lt1">
-              <a:lumMod val="75000"/>
-            </a:schemeClr>
-          </a:gs>
-        </a:gsLst>
-        <a:path path="circle">
-          <a:fillToRect l="50000" t="-80000" r="50000" b="180000"/>
-        </a:path>
-        <a:tileRect/>
-      </a:gradFill>
-      <a:ln w="9525" cap="flat" cmpd="sng" algn="ctr">
-        <a:solidFill>
-          <a:schemeClr val="dk1">
-            <a:lumMod val="25000"/>
-            <a:lumOff val="75000"/>
-          </a:schemeClr>
-        </a:solidFill>
-        <a:round/>
-      </a:ln>
-    </cs:spPr>
-    <cs:defRPr sz="900" kern="1200"/>
-  </cs:chartArea>
-  <cs:dataLabel>
-    <cs:lnRef idx="0"/>
-    <cs:fillRef idx="0"/>
-    <cs:effectRef idx="0"/>
-    <cs:fontRef idx="minor">
-      <a:schemeClr val="lt1"/>
-    </cs:fontRef>
-    <cs:spPr>
-      <a:pattFill prst="pct75">
-        <a:fgClr>
-          <a:schemeClr val="dk1">
-            <a:lumMod val="75000"/>
-            <a:lumOff val="25000"/>
-          </a:schemeClr>
-        </a:fgClr>
-        <a:bgClr>
-          <a:schemeClr val="dk1">
-            <a:lumMod val="65000"/>
-            <a:lumOff val="35000"/>
-          </a:schemeClr>
-        </a:bgClr>
-      </a:pattFill>
-      <a:effectLst>
-        <a:outerShdw blurRad="50800" dist="38100" dir="2700000" algn="tl" rotWithShape="0">
-          <a:prstClr val="black">
-            <a:alpha val="40000"/>
-          </a:prstClr>
-        </a:outerShdw>
-      </a:effectLst>
-    </cs:spPr>
-    <cs:defRPr sz="1000" b="1" i="0" u="none" strike="noStrike" kern="1200" baseline="0"/>
-  </cs:dataLabel>
-  <cs:dataLabelCallout>
-    <cs:lnRef idx="0"/>
-    <cs:fillRef idx="0"/>
-    <cs:effectRef idx="0"/>
-    <cs:fontRef idx="minor">
-      <a:schemeClr val="lt1"/>
-    </cs:fontRef>
-    <cs:spPr>
-      <a:pattFill prst="pct75">
-        <a:fgClr>
-          <a:schemeClr val="dk1">
-            <a:lumMod val="75000"/>
-            <a:lumOff val="25000"/>
-          </a:schemeClr>
-        </a:fgClr>
-        <a:bgClr>
-          <a:schemeClr val="dk1">
-            <a:lumMod val="65000"/>
-            <a:lumOff val="35000"/>
-          </a:schemeClr>
-        </a:bgClr>
-      </a:pattFill>
-      <a:effectLst>
-        <a:outerShdw blurRad="50800" dist="38100" dir="2700000" algn="tl" rotWithShape="0">
-          <a:prstClr val="black">
-            <a:alpha val="40000"/>
-          </a:prstClr>
-        </a:outerShdw>
-      </a:effectLst>
-    </cs:spPr>
-    <cs:defRPr sz="1000" b="1" i="0" u="none" strike="noStrike" kern="1200" baseline="0"/>
-    <cs:bodyPr rot="0" spcFirstLastPara="1" vertOverflow="clip" horzOverflow="clip" vert="horz" wrap="square" lIns="36576" tIns="18288" rIns="36576" bIns="18288" anchor="ctr" anchorCtr="1">
-      <a:spAutoFit/>
-    </cs:bodyPr>
-  </cs:dataLabelCallout>
-  <cs:dataPoint>
-    <cs:lnRef idx="0"/>
-    <cs:fillRef idx="0">
-      <cs:styleClr val="auto"/>
-    </cs:fillRef>
-    <cs:effectRef idx="0"/>
-    <cs:fontRef idx="minor">
-      <a:schemeClr val="dk1"/>
-    </cs:fontRef>
-    <cs:spPr>
-      <a:solidFill>
-        <a:schemeClr val="phClr"/>
-      </a:solidFill>
-      <a:effectLst>
-        <a:outerShdw blurRad="254000" sx="102000" sy="102000" algn="ctr" rotWithShape="0">
-          <a:prstClr val="black">
-            <a:alpha val="20000"/>
-          </a:prstClr>
-        </a:outerShdw>
-      </a:effectLst>
-    </cs:spPr>
-  </cs:dataPoint>
-  <cs:dataPoint3D>
-    <cs:lnRef idx="0"/>
-    <cs:fillRef idx="0">
-      <cs:styleClr val="auto"/>
-    </cs:fillRef>
-    <cs:effectRef idx="0"/>
-    <cs:fontRef idx="minor">
-      <a:schemeClr val="dk1"/>
-    </cs:fontRef>
-    <cs:spPr>
-      <a:solidFill>
-        <a:schemeClr val="phClr"/>
-      </a:solidFill>
-      <a:effectLst>
-        <a:outerShdw blurRad="254000" sx="102000" sy="102000" algn="ctr" rotWithShape="0">
-          <a:prstClr val="black">
-            <a:alpha val="20000"/>
-          </a:prstClr>
-        </a:outerShdw>
-      </a:effectLst>
-    </cs:spPr>
-  </cs:dataPoint3D>
-  <cs:dataPointLine>
-    <cs:lnRef idx="0">
-      <cs:styleClr val="auto"/>
-    </cs:lnRef>
-    <cs:fillRef idx="0"/>
-    <cs:effectRef idx="0"/>
-    <cs:fontRef idx="minor">
-      <a:schemeClr val="dk1"/>
-    </cs:fontRef>
-    <cs:spPr>
-      <a:ln w="31750" cap="rnd">
-        <a:solidFill>
-          <a:schemeClr val="phClr">
-            <a:alpha val="85000"/>
-          </a:schemeClr>
-        </a:solidFill>
-        <a:round/>
-      </a:ln>
-    </cs:spPr>
-  </cs:dataPointLine>
-  <cs:dataPointMarker>
-    <cs:lnRef idx="0"/>
-    <cs:fillRef idx="0">
-      <cs:styleClr val="auto"/>
-    </cs:fillRef>
-    <cs:effectRef idx="0"/>
-    <cs:fontRef idx="minor">
-      <a:schemeClr val="dk1"/>
-    </cs:fontRef>
-    <cs:spPr>
-      <a:solidFill>
-        <a:schemeClr val="phClr">
-          <a:alpha val="85000"/>
-        </a:schemeClr>
-      </a:solidFill>
-    </cs:spPr>
-  </cs:dataPointMarker>
-  <cs:dataPointMarkerLayout symbol="circle" size="6"/>
-  <cs:dataPointWireframe>
-    <cs:lnRef idx="0">
-      <cs:styleClr val="auto"/>
-    </cs:lnRef>
-    <cs:fillRef idx="0"/>
-    <cs:effectRef idx="0"/>
-    <cs:fontRef idx="minor">
-      <a:schemeClr val="dk1"/>
-    </cs:fontRef>
-    <cs:spPr>
-      <a:ln w="9525" cap="rnd">
-        <a:solidFill>
-          <a:schemeClr val="phClr"/>
-        </a:solidFill>
-        <a:round/>
-      </a:ln>
-    </cs:spPr>
-  </cs:dataPointWireframe>
-  <cs:dataTable>
-    <cs:lnRef idx="0"/>
-    <cs:fillRef idx="0"/>
-    <cs:effectRef idx="0"/>
-    <cs:fontRef idx="minor">
-      <a:schemeClr val="dk1">
-        <a:lumMod val="75000"/>
-        <a:lumOff val="25000"/>
-      </a:schemeClr>
-    </cs:fontRef>
-    <cs:spPr>
-      <a:ln w="9525">
-        <a:solidFill>
-          <a:schemeClr val="dk1">
-            <a:lumMod val="35000"/>
-            <a:lumOff val="65000"/>
-          </a:schemeClr>
-        </a:solidFill>
-      </a:ln>
-    </cs:spPr>
-    <cs:defRPr sz="900" kern="1200"/>
-  </cs:dataTable>
-  <cs:downBar>
-    <cs:lnRef idx="0"/>
-    <cs:fillRef idx="0"/>
-    <cs:effectRef idx="0"/>
-    <cs:fontRef idx="minor">
-      <a:schemeClr val="dk1"/>
-    </cs:fontRef>
-    <cs:spPr>
-      <a:solidFill>
-        <a:schemeClr val="dk1">
-          <a:lumMod val="50000"/>
-          <a:lumOff val="50000"/>
-        </a:schemeClr>
-      </a:solidFill>
-      <a:ln w="9525">
-        <a:solidFill>
-          <a:schemeClr val="dk1">
-            <a:lumMod val="65000"/>
-            <a:lumOff val="35000"/>
-          </a:schemeClr>
-        </a:solidFill>
-      </a:ln>
-    </cs:spPr>
-  </cs:downBar>
-  <cs:dropLine>
-    <cs:lnRef idx="0"/>
-    <cs:fillRef idx="0"/>
-    <cs:effectRef idx="0"/>
-    <cs:fontRef idx="minor">
-      <a:schemeClr val="dk1"/>
-    </cs:fontRef>
-    <cs:spPr>
-      <a:ln w="9525">
-        <a:solidFill>
-          <a:schemeClr val="dk1">
-            <a:lumMod val="35000"/>
-            <a:lumOff val="65000"/>
-          </a:schemeClr>
-        </a:solidFill>
-        <a:prstDash val="dash"/>
-      </a:ln>
-    </cs:spPr>
-  </cs:dropLine>
-  <cs:errorBar>
-    <cs:lnRef idx="0"/>
-    <cs:fillRef idx="0"/>
-    <cs:effectRef idx="0"/>
-    <cs:fontRef idx="minor">
-      <a:schemeClr val="dk1"/>
-    </cs:fontRef>
-    <cs:spPr>
-      <a:ln w="9525">
-        <a:solidFill>
-          <a:schemeClr val="dk1">
-            <a:lumMod val="65000"/>
-            <a:lumOff val="35000"/>
-          </a:schemeClr>
-        </a:solidFill>
-        <a:round/>
-      </a:ln>
-    </cs:spPr>
-  </cs:errorBar>
-  <cs:floor>
-    <cs:lnRef idx="0"/>
-    <cs:fillRef idx="0"/>
-    <cs:effectRef idx="0"/>
-    <cs:fontRef idx="minor">
-      <a:schemeClr val="dk1"/>
-    </cs:fontRef>
-  </cs:floor>
-  <cs:gridlineMajor>
-    <cs:lnRef idx="0"/>
-    <cs:fillRef idx="0"/>
-    <cs:effectRef idx="0"/>
-    <cs:fontRef idx="minor">
-      <a:schemeClr val="dk1"/>
-    </cs:fontRef>
-    <cs:spPr>
-      <a:ln w="9525" cap="flat" cmpd="sng" algn="ctr">
-        <a:gradFill>
-          <a:gsLst>
-            <a:gs pos="100000">
-              <a:schemeClr val="dk1">
-                <a:lumMod val="95000"/>
-                <a:lumOff val="5000"/>
-                <a:alpha val="42000"/>
-              </a:schemeClr>
-            </a:gs>
-            <a:gs pos="0">
-              <a:schemeClr val="lt1">
-                <a:lumMod val="75000"/>
-                <a:alpha val="36000"/>
-              </a:schemeClr>
-            </a:gs>
-          </a:gsLst>
-          <a:lin ang="5400000" scaled="0"/>
-        </a:gradFill>
-        <a:round/>
-      </a:ln>
-    </cs:spPr>
-  </cs:gridlineMajor>
-  <cs:gridlineMinor>
-    <cs:lnRef idx="0"/>
-    <cs:fillRef idx="0"/>
-    <cs:effectRef idx="0"/>
-    <cs:fontRef idx="minor">
-      <a:schemeClr val="dk1"/>
-    </cs:fontRef>
-    <cs:spPr>
-      <a:ln>
-        <a:gradFill>
-          <a:gsLst>
-            <a:gs pos="100000">
-              <a:schemeClr val="dk1">
-                <a:lumMod val="95000"/>
-                <a:lumOff val="5000"/>
-                <a:alpha val="42000"/>
-              </a:schemeClr>
-            </a:gs>
-            <a:gs pos="0">
-              <a:schemeClr val="lt1">
-                <a:lumMod val="75000"/>
-                <a:alpha val="36000"/>
-              </a:schemeClr>
-            </a:gs>
-          </a:gsLst>
-          <a:lin ang="5400000" scaled="0"/>
-        </a:gradFill>
-      </a:ln>
-    </cs:spPr>
-  </cs:gridlineMinor>
-  <cs:hiLoLine>
-    <cs:lnRef idx="0"/>
-    <cs:fillRef idx="0"/>
-    <cs:effectRef idx="0"/>
-    <cs:fontRef idx="minor">
-      <a:schemeClr val="dk1"/>
-    </cs:fontRef>
-    <cs:spPr>
-      <a:ln w="9525">
-        <a:solidFill>
-          <a:schemeClr val="dk1">
-            <a:lumMod val="35000"/>
-            <a:lumOff val="65000"/>
-          </a:schemeClr>
-        </a:solidFill>
-        <a:prstDash val="dash"/>
-      </a:ln>
-    </cs:spPr>
-  </cs:hiLoLine>
-  <cs:leaderLine>
-    <cs:lnRef idx="0"/>
-    <cs:fillRef idx="0"/>
-    <cs:effectRef idx="0"/>
-    <cs:fontRef idx="minor">
-      <a:schemeClr val="dk1"/>
-    </cs:fontRef>
-    <cs:spPr>
-      <a:ln w="9525">
-        <a:solidFill>
-          <a:schemeClr val="dk1">
-            <a:lumMod val="50000"/>
-            <a:lumOff val="50000"/>
-          </a:schemeClr>
-        </a:solidFill>
-      </a:ln>
-    </cs:spPr>
-  </cs:leaderLine>
-  <cs:legend>
-    <cs:lnRef idx="0"/>
-    <cs:fillRef idx="0"/>
-    <cs:effectRef idx="0"/>
-    <cs:fontRef idx="minor">
-      <a:schemeClr val="dk1">
-        <a:lumMod val="75000"/>
-        <a:lumOff val="25000"/>
-      </a:schemeClr>
-    </cs:fontRef>
-    <cs:spPr>
-      <a:solidFill>
-        <a:schemeClr val="lt1">
-          <a:lumMod val="95000"/>
-          <a:alpha val="39000"/>
-        </a:schemeClr>
-      </a:solidFill>
-    </cs:spPr>
-    <cs:defRPr sz="900" kern="1200"/>
-  </cs:legend>
-  <cs:plotArea>
-    <cs:lnRef idx="0"/>
-    <cs:fillRef idx="0"/>
-    <cs:effectRef idx="0"/>
-    <cs:fontRef idx="minor">
-      <a:schemeClr val="dk1"/>
-    </cs:fontRef>
-  </cs:plotArea>
-  <cs:plotArea3D>
-    <cs:lnRef idx="0"/>
-    <cs:fillRef idx="0"/>
-    <cs:effectRef idx="0"/>
-    <cs:fontRef idx="minor">
-      <a:schemeClr val="dk1"/>
-    </cs:fontRef>
-  </cs:plotArea3D>
-  <cs:seriesAxis>
-    <cs:lnRef idx="0"/>
-    <cs:fillRef idx="0"/>
-    <cs:effectRef idx="0"/>
-    <cs:fontRef idx="minor">
-      <a:schemeClr val="dk1">
-        <a:lumMod val="75000"/>
-        <a:lumOff val="25000"/>
-      </a:schemeClr>
-    </cs:fontRef>
-    <cs:spPr>
-      <a:ln w="31750" cap="flat" cmpd="sng" algn="ctr">
-        <a:solidFill>
-          <a:schemeClr val="dk1">
-            <a:lumMod val="75000"/>
-            <a:lumOff val="25000"/>
-          </a:schemeClr>
-        </a:solidFill>
-        <a:round/>
-      </a:ln>
-    </cs:spPr>
-    <cs:defRPr sz="900" kern="1200"/>
-  </cs:seriesAxis>
-  <cs:seriesLine>
-    <cs:lnRef idx="0"/>
-    <cs:fillRef idx="0"/>
-    <cs:effectRef idx="0"/>
-    <cs:fontRef idx="minor">
-      <a:schemeClr val="dk1"/>
-    </cs:fontRef>
-    <cs:spPr>
-      <a:ln w="9525">
-        <a:solidFill>
-          <a:schemeClr val="dk1">
-            <a:lumMod val="50000"/>
-            <a:lumOff val="50000"/>
-          </a:schemeClr>
-        </a:solidFill>
-        <a:round/>
-      </a:ln>
-    </cs:spPr>
-  </cs:seriesLine>
-  <cs:title>
-    <cs:lnRef idx="0"/>
-    <cs:fillRef idx="0"/>
-    <cs:effectRef idx="0"/>
-    <cs:fontRef idx="minor">
-      <a:schemeClr val="dk1">
-        <a:lumMod val="75000"/>
-        <a:lumOff val="25000"/>
-      </a:schemeClr>
-    </cs:fontRef>
-    <cs:defRPr sz="1800" b="1" kern="1200" baseline="0"/>
-  </cs:title>
-  <cs:trendline>
-    <cs:lnRef idx="0">
-      <cs:styleClr val="auto"/>
-    </cs:lnRef>
-    <cs:fillRef idx="0"/>
-    <cs:effectRef idx="0"/>
-    <cs:fontRef idx="minor">
-      <a:schemeClr val="dk1"/>
-    </cs:fontRef>
-    <cs:spPr>
-      <a:ln w="19050" cap="rnd">
-        <a:solidFill>
-          <a:schemeClr val="phClr"/>
-        </a:solidFill>
-      </a:ln>
-    </cs:spPr>
-  </cs:trendline>
-  <cs:trendlineLabel>
-    <cs:lnRef idx="0"/>
-    <cs:fillRef idx="0"/>
-    <cs:effectRef idx="0"/>
-    <cs:fontRef idx="minor">
-      <a:schemeClr val="dk1">
-        <a:lumMod val="75000"/>
-        <a:lumOff val="25000"/>
-      </a:schemeClr>
-    </cs:fontRef>
-    <cs:defRPr sz="900" kern="1200"/>
-  </cs:trendlineLabel>
-  <cs:upBar>
-    <cs:lnRef idx="0"/>
-    <cs:fillRef idx="0"/>
-    <cs:effectRef idx="0"/>
-    <cs:fontRef idx="minor">
-      <a:schemeClr val="dk1"/>
-    </cs:fontRef>
-    <cs:spPr>
-      <a:solidFill>
-        <a:schemeClr val="lt1"/>
-      </a:solidFill>
-      <a:ln w="9525">
-        <a:solidFill>
-          <a:schemeClr val="dk1">
-            <a:lumMod val="65000"/>
-            <a:lumOff val="35000"/>
-          </a:schemeClr>
-        </a:solidFill>
-      </a:ln>
-    </cs:spPr>
-  </cs:upBar>
-  <cs:valueAxis>
-    <cs:lnRef idx="0"/>
-    <cs:fillRef idx="0"/>
-    <cs:effectRef idx="0"/>
-    <cs:fontRef idx="minor">
-      <a:schemeClr val="dk1">
-        <a:lumMod val="75000"/>
-        <a:lumOff val="25000"/>
-      </a:schemeClr>
-    </cs:fontRef>
-    <cs:spPr>
-      <a:ln>
-        <a:noFill/>
-      </a:ln>
-    </cs:spPr>
-    <cs:defRPr sz="900" kern="1200"/>
-  </cs:valueAxis>
-  <cs:wall>
-    <cs:lnRef idx="0"/>
-    <cs:fillRef idx="0"/>
-    <cs:effectRef idx="0"/>
-    <cs:fontRef idx="minor">
-      <a:schemeClr val="dk1"/>
-    </cs:fontRef>
-  </cs:wall>
-</cs:chartStyle>
-</file>
-
 <file path=ppt/handoutMasters/handoutMaster1.xml><?xml version="1.0" encoding="utf-8"?>
 <p:handoutMaster xmlns:a="http://schemas.openxmlformats.org/drawingml/2006/main" xmlns:r="http://schemas.openxmlformats.org/officeDocument/2006/relationships" xmlns:p="http://schemas.openxmlformats.org/presentationml/2006/main">
   <p:cSld>
@@ -1258,7 +235,7 @@
           <a:p>
             <a:fld id="{3E28917A-E48B-2C40-856C-FBBAB21A1A37}" type="datetimeFigureOut">
               <a:rPr lang="fr-FR" smtClean="0"/>
-              <a:t>06/05/2021</a:t>
+              <a:t>03/06/2021</a:t>
             </a:fld>
             <a:endParaRPr lang="fr-FR"/>
           </a:p>
@@ -1424,7 +401,7 @@
           <a:p>
             <a:fld id="{911B372C-BAD9-3344-84FB-7D687AFF6BB2}" type="datetimeFigureOut">
               <a:rPr lang="fr-FR" smtClean="0"/>
-              <a:t>06/05/2021</a:t>
+              <a:t>03/06/2021</a:t>
             </a:fld>
             <a:endParaRPr lang="fr-FR"/>
           </a:p>
@@ -1758,7 +735,7 @@
           <a:p>
             <a:fld id="{EFE9E6BF-F4BD-F74B-847F-EAD9E2BF3D44}" type="slidenum">
               <a:rPr lang="fr-FR" smtClean="0"/>
-              <a:t>6</a:t>
+              <a:t>8</a:t>
             </a:fld>
             <a:endParaRPr lang="fr-FR"/>
           </a:p>
@@ -1767,7 +744,7 @@
     </p:spTree>
     <p:extLst>
       <p:ext uri="{BB962C8B-B14F-4D97-AF65-F5344CB8AC3E}">
-        <p14:creationId xmlns:p14="http://schemas.microsoft.com/office/powerpoint/2010/main" val="3410507703"/>
+        <p14:creationId xmlns:p14="http://schemas.microsoft.com/office/powerpoint/2010/main" val="457646511"/>
       </p:ext>
     </p:extLst>
   </p:cSld>
@@ -1842,7 +819,259 @@
           <a:p>
             <a:fld id="{EFE9E6BF-F4BD-F74B-847F-EAD9E2BF3D44}" type="slidenum">
               <a:rPr lang="fr-FR" smtClean="0"/>
+              <a:t>9</a:t>
+            </a:fld>
+            <a:endParaRPr lang="fr-FR"/>
+          </a:p>
+        </p:txBody>
+      </p:sp>
+    </p:spTree>
+    <p:extLst>
+      <p:ext uri="{BB962C8B-B14F-4D97-AF65-F5344CB8AC3E}">
+        <p14:creationId xmlns:p14="http://schemas.microsoft.com/office/powerpoint/2010/main" val="80858556"/>
+      </p:ext>
+    </p:extLst>
+  </p:cSld>
+  <p:clrMapOvr>
+    <a:masterClrMapping/>
+  </p:clrMapOvr>
+</p:notes>
+</file>
+
+<file path=ppt/notesSlides/notesSlide3.xml><?xml version="1.0" encoding="utf-8"?>
+<p:notes xmlns:a="http://schemas.openxmlformats.org/drawingml/2006/main" xmlns:r="http://schemas.openxmlformats.org/officeDocument/2006/relationships" xmlns:p="http://schemas.openxmlformats.org/presentationml/2006/main">
+  <p:cSld>
+    <p:spTree>
+      <p:nvGrpSpPr>
+        <p:cNvPr id="1" name=""/>
+        <p:cNvGrpSpPr/>
+        <p:nvPr/>
+      </p:nvGrpSpPr>
+      <p:grpSpPr>
+        <a:xfrm>
+          <a:off x="0" y="0"/>
+          <a:ext cx="0" cy="0"/>
+          <a:chOff x="0" y="0"/>
+          <a:chExt cx="0" cy="0"/>
+        </a:xfrm>
+      </p:grpSpPr>
+      <p:sp>
+        <p:nvSpPr>
+          <p:cNvPr id="2" name="Espace réservé de l'image des diapositives 1"/>
+          <p:cNvSpPr>
+            <a:spLocks noGrp="1" noRot="1" noChangeAspect="1"/>
+          </p:cNvSpPr>
+          <p:nvPr>
+            <p:ph type="sldImg"/>
+          </p:nvPr>
+        </p:nvSpPr>
+        <p:spPr/>
+      </p:sp>
+      <p:sp>
+        <p:nvSpPr>
+          <p:cNvPr id="3" name="Espace réservé des notes 2"/>
+          <p:cNvSpPr>
+            <a:spLocks noGrp="1"/>
+          </p:cNvSpPr>
+          <p:nvPr>
+            <p:ph type="body" idx="1"/>
+          </p:nvPr>
+        </p:nvSpPr>
+        <p:spPr/>
+        <p:txBody>
+          <a:bodyPr/>
+          <a:lstStyle/>
+          <a:p>
+            <a:endParaRPr lang="fr-FR" dirty="0"/>
+          </a:p>
+        </p:txBody>
+      </p:sp>
+      <p:sp>
+        <p:nvSpPr>
+          <p:cNvPr id="4" name="Espace réservé du numéro de diapositive 3"/>
+          <p:cNvSpPr>
+            <a:spLocks noGrp="1"/>
+          </p:cNvSpPr>
+          <p:nvPr>
+            <p:ph type="sldNum" sz="quarter" idx="10"/>
+          </p:nvPr>
+        </p:nvSpPr>
+        <p:spPr/>
+        <p:txBody>
+          <a:bodyPr/>
+          <a:lstStyle/>
+          <a:p>
+            <a:fld id="{EFE9E6BF-F4BD-F74B-847F-EAD9E2BF3D44}" type="slidenum">
+              <a:rPr lang="fr-FR" smtClean="0"/>
+              <a:t>10</a:t>
+            </a:fld>
+            <a:endParaRPr lang="fr-FR"/>
+          </a:p>
+        </p:txBody>
+      </p:sp>
+    </p:spTree>
+    <p:extLst>
+      <p:ext uri="{BB962C8B-B14F-4D97-AF65-F5344CB8AC3E}">
+        <p14:creationId xmlns:p14="http://schemas.microsoft.com/office/powerpoint/2010/main" val="2437717191"/>
+      </p:ext>
+    </p:extLst>
+  </p:cSld>
+  <p:clrMapOvr>
+    <a:masterClrMapping/>
+  </p:clrMapOvr>
+</p:notes>
+</file>
+
+<file path=ppt/notesSlides/notesSlide4.xml><?xml version="1.0" encoding="utf-8"?>
+<p:notes xmlns:a="http://schemas.openxmlformats.org/drawingml/2006/main" xmlns:r="http://schemas.openxmlformats.org/officeDocument/2006/relationships" xmlns:p="http://schemas.openxmlformats.org/presentationml/2006/main">
+  <p:cSld>
+    <p:spTree>
+      <p:nvGrpSpPr>
+        <p:cNvPr id="1" name=""/>
+        <p:cNvGrpSpPr/>
+        <p:nvPr/>
+      </p:nvGrpSpPr>
+      <p:grpSpPr>
+        <a:xfrm>
+          <a:off x="0" y="0"/>
+          <a:ext cx="0" cy="0"/>
+          <a:chOff x="0" y="0"/>
+          <a:chExt cx="0" cy="0"/>
+        </a:xfrm>
+      </p:grpSpPr>
+      <p:sp>
+        <p:nvSpPr>
+          <p:cNvPr id="2" name="Espace réservé de l'image des diapositives 1"/>
+          <p:cNvSpPr>
+            <a:spLocks noGrp="1" noRot="1" noChangeAspect="1"/>
+          </p:cNvSpPr>
+          <p:nvPr>
+            <p:ph type="sldImg"/>
+          </p:nvPr>
+        </p:nvSpPr>
+        <p:spPr/>
+      </p:sp>
+      <p:sp>
+        <p:nvSpPr>
+          <p:cNvPr id="3" name="Espace réservé des notes 2"/>
+          <p:cNvSpPr>
+            <a:spLocks noGrp="1"/>
+          </p:cNvSpPr>
+          <p:nvPr>
+            <p:ph type="body" idx="1"/>
+          </p:nvPr>
+        </p:nvSpPr>
+        <p:spPr/>
+        <p:txBody>
+          <a:bodyPr/>
+          <a:lstStyle/>
+          <a:p>
+            <a:endParaRPr lang="fr-FR" dirty="0"/>
+          </a:p>
+        </p:txBody>
+      </p:sp>
+      <p:sp>
+        <p:nvSpPr>
+          <p:cNvPr id="4" name="Espace réservé du numéro de diapositive 3"/>
+          <p:cNvSpPr>
+            <a:spLocks noGrp="1"/>
+          </p:cNvSpPr>
+          <p:nvPr>
+            <p:ph type="sldNum" sz="quarter" idx="10"/>
+          </p:nvPr>
+        </p:nvSpPr>
+        <p:spPr/>
+        <p:txBody>
+          <a:bodyPr/>
+          <a:lstStyle/>
+          <a:p>
+            <a:fld id="{EFE9E6BF-F4BD-F74B-847F-EAD9E2BF3D44}" type="slidenum">
+              <a:rPr lang="fr-FR" smtClean="0"/>
               <a:t>11</a:t>
+            </a:fld>
+            <a:endParaRPr lang="fr-FR"/>
+          </a:p>
+        </p:txBody>
+      </p:sp>
+    </p:spTree>
+    <p:extLst>
+      <p:ext uri="{BB962C8B-B14F-4D97-AF65-F5344CB8AC3E}">
+        <p14:creationId xmlns:p14="http://schemas.microsoft.com/office/powerpoint/2010/main" val="3410507703"/>
+      </p:ext>
+    </p:extLst>
+  </p:cSld>
+  <p:clrMapOvr>
+    <a:masterClrMapping/>
+  </p:clrMapOvr>
+</p:notes>
+</file>
+
+<file path=ppt/notesSlides/notesSlide5.xml><?xml version="1.0" encoding="utf-8"?>
+<p:notes xmlns:a="http://schemas.openxmlformats.org/drawingml/2006/main" xmlns:r="http://schemas.openxmlformats.org/officeDocument/2006/relationships" xmlns:p="http://schemas.openxmlformats.org/presentationml/2006/main">
+  <p:cSld>
+    <p:spTree>
+      <p:nvGrpSpPr>
+        <p:cNvPr id="1" name=""/>
+        <p:cNvGrpSpPr/>
+        <p:nvPr/>
+      </p:nvGrpSpPr>
+      <p:grpSpPr>
+        <a:xfrm>
+          <a:off x="0" y="0"/>
+          <a:ext cx="0" cy="0"/>
+          <a:chOff x="0" y="0"/>
+          <a:chExt cx="0" cy="0"/>
+        </a:xfrm>
+      </p:grpSpPr>
+      <p:sp>
+        <p:nvSpPr>
+          <p:cNvPr id="2" name="Espace réservé de l'image des diapositives 1"/>
+          <p:cNvSpPr>
+            <a:spLocks noGrp="1" noRot="1" noChangeAspect="1"/>
+          </p:cNvSpPr>
+          <p:nvPr>
+            <p:ph type="sldImg"/>
+          </p:nvPr>
+        </p:nvSpPr>
+        <p:spPr/>
+      </p:sp>
+      <p:sp>
+        <p:nvSpPr>
+          <p:cNvPr id="3" name="Espace réservé des notes 2"/>
+          <p:cNvSpPr>
+            <a:spLocks noGrp="1"/>
+          </p:cNvSpPr>
+          <p:nvPr>
+            <p:ph type="body" idx="1"/>
+          </p:nvPr>
+        </p:nvSpPr>
+        <p:spPr/>
+        <p:txBody>
+          <a:bodyPr/>
+          <a:lstStyle/>
+          <a:p>
+            <a:endParaRPr lang="fr-FR" dirty="0"/>
+          </a:p>
+        </p:txBody>
+      </p:sp>
+      <p:sp>
+        <p:nvSpPr>
+          <p:cNvPr id="4" name="Espace réservé du numéro de diapositive 3"/>
+          <p:cNvSpPr>
+            <a:spLocks noGrp="1"/>
+          </p:cNvSpPr>
+          <p:nvPr>
+            <p:ph type="sldNum" sz="quarter" idx="10"/>
+          </p:nvPr>
+        </p:nvSpPr>
+        <p:spPr/>
+        <p:txBody>
+          <a:bodyPr/>
+          <a:lstStyle/>
+          <a:p>
+            <a:fld id="{EFE9E6BF-F4BD-F74B-847F-EAD9E2BF3D44}" type="slidenum">
+              <a:rPr lang="fr-FR" smtClean="0"/>
+              <a:t>16</a:t>
             </a:fld>
             <a:endParaRPr lang="fr-FR"/>
           </a:p>
@@ -1852,6 +1081,90 @@
     <p:extLst>
       <p:ext uri="{BB962C8B-B14F-4D97-AF65-F5344CB8AC3E}">
         <p14:creationId xmlns:p14="http://schemas.microsoft.com/office/powerpoint/2010/main" val="279687654"/>
+      </p:ext>
+    </p:extLst>
+  </p:cSld>
+  <p:clrMapOvr>
+    <a:masterClrMapping/>
+  </p:clrMapOvr>
+</p:notes>
+</file>
+
+<file path=ppt/notesSlides/notesSlide6.xml><?xml version="1.0" encoding="utf-8"?>
+<p:notes xmlns:a="http://schemas.openxmlformats.org/drawingml/2006/main" xmlns:r="http://schemas.openxmlformats.org/officeDocument/2006/relationships" xmlns:p="http://schemas.openxmlformats.org/presentationml/2006/main">
+  <p:cSld>
+    <p:spTree>
+      <p:nvGrpSpPr>
+        <p:cNvPr id="1" name=""/>
+        <p:cNvGrpSpPr/>
+        <p:nvPr/>
+      </p:nvGrpSpPr>
+      <p:grpSpPr>
+        <a:xfrm>
+          <a:off x="0" y="0"/>
+          <a:ext cx="0" cy="0"/>
+          <a:chOff x="0" y="0"/>
+          <a:chExt cx="0" cy="0"/>
+        </a:xfrm>
+      </p:grpSpPr>
+      <p:sp>
+        <p:nvSpPr>
+          <p:cNvPr id="2" name="Espace réservé de l'image des diapositives 1"/>
+          <p:cNvSpPr>
+            <a:spLocks noGrp="1" noRot="1" noChangeAspect="1"/>
+          </p:cNvSpPr>
+          <p:nvPr>
+            <p:ph type="sldImg"/>
+          </p:nvPr>
+        </p:nvSpPr>
+        <p:spPr/>
+      </p:sp>
+      <p:sp>
+        <p:nvSpPr>
+          <p:cNvPr id="3" name="Espace réservé des notes 2"/>
+          <p:cNvSpPr>
+            <a:spLocks noGrp="1"/>
+          </p:cNvSpPr>
+          <p:nvPr>
+            <p:ph type="body" idx="1"/>
+          </p:nvPr>
+        </p:nvSpPr>
+        <p:spPr/>
+        <p:txBody>
+          <a:bodyPr/>
+          <a:lstStyle/>
+          <a:p>
+            <a:endParaRPr lang="fr-FR" dirty="0"/>
+          </a:p>
+        </p:txBody>
+      </p:sp>
+      <p:sp>
+        <p:nvSpPr>
+          <p:cNvPr id="4" name="Espace réservé du numéro de diapositive 3"/>
+          <p:cNvSpPr>
+            <a:spLocks noGrp="1"/>
+          </p:cNvSpPr>
+          <p:nvPr>
+            <p:ph type="sldNum" sz="quarter" idx="10"/>
+          </p:nvPr>
+        </p:nvSpPr>
+        <p:spPr/>
+        <p:txBody>
+          <a:bodyPr/>
+          <a:lstStyle/>
+          <a:p>
+            <a:fld id="{EFE9E6BF-F4BD-F74B-847F-EAD9E2BF3D44}" type="slidenum">
+              <a:rPr lang="fr-FR" smtClean="0"/>
+              <a:t>17</a:t>
+            </a:fld>
+            <a:endParaRPr lang="fr-FR"/>
+          </a:p>
+        </p:txBody>
+      </p:sp>
+    </p:spTree>
+    <p:extLst>
+      <p:ext uri="{BB962C8B-B14F-4D97-AF65-F5344CB8AC3E}">
+        <p14:creationId xmlns:p14="http://schemas.microsoft.com/office/powerpoint/2010/main" val="2539307378"/>
       </p:ext>
     </p:extLst>
   </p:cSld>
@@ -2087,7 +1400,7 @@
           <a:p>
             <a:fld id="{4203FDDF-68DD-3048-B886-7A9FFCBFBDA2}" type="datetime1">
               <a:rPr lang="fr-FR" smtClean="0"/>
-              <a:t>06/05/2021</a:t>
+              <a:t>03/06/2021</a:t>
             </a:fld>
             <a:endParaRPr lang="en-US"/>
           </a:p>
@@ -2295,7 +1608,7 @@
           <a:p>
             <a:fld id="{2E8E3877-BDA2-2D41-BCF4-93E3C8745FB1}" type="datetime1">
               <a:rPr lang="fr-FR" smtClean="0"/>
-              <a:t>06/05/2021</a:t>
+              <a:t>03/06/2021</a:t>
             </a:fld>
             <a:endParaRPr lang="en-US"/>
           </a:p>
@@ -2551,7 +1864,7 @@
           <a:p>
             <a:fld id="{4432AC7B-93A3-6541-BF35-9B29BF6968EE}" type="datetime1">
               <a:rPr lang="fr-FR" smtClean="0"/>
-              <a:t>06/05/2021</a:t>
+              <a:t>03/06/2021</a:t>
             </a:fld>
             <a:endParaRPr lang="en-US"/>
           </a:p>
@@ -2721,7 +2034,7 @@
           <a:p>
             <a:fld id="{DBA638FD-D457-8545-9B53-33859610004F}" type="datetime1">
               <a:rPr lang="fr-FR" smtClean="0"/>
-              <a:t>06/05/2021</a:t>
+              <a:t>03/06/2021</a:t>
             </a:fld>
             <a:endParaRPr lang="en-US"/>
           </a:p>
@@ -3064,7 +2377,7 @@
           <a:p>
             <a:fld id="{A77A5EE7-9FEA-FF44-BA9C-1E89A3EA782F}" type="datetime1">
               <a:rPr lang="fr-FR" smtClean="0"/>
-              <a:t>06/05/2021</a:t>
+              <a:t>03/06/2021</a:t>
             </a:fld>
             <a:endParaRPr lang="en-US"/>
           </a:p>
@@ -3340,7 +2653,7 @@
           <a:p>
             <a:fld id="{B438C883-8C23-8E4F-81B6-61EBB788CAB0}" type="datetime1">
               <a:rPr lang="fr-FR" smtClean="0"/>
-              <a:t>06/05/2021</a:t>
+              <a:t>03/06/2021</a:t>
             </a:fld>
             <a:endParaRPr lang="en-US"/>
           </a:p>
@@ -3719,7 +3032,7 @@
           <a:p>
             <a:fld id="{B0123806-5818-6942-97D3-7CAF4CA7418C}" type="datetime1">
               <a:rPr lang="fr-FR" smtClean="0"/>
-              <a:t>06/05/2021</a:t>
+              <a:t>03/06/2021</a:t>
             </a:fld>
             <a:endParaRPr lang="en-US"/>
           </a:p>
@@ -3837,7 +3150,7 @@
           <a:p>
             <a:fld id="{0998520D-B64A-4D45-BA54-D6C0E854068C}" type="datetime1">
               <a:rPr lang="fr-FR" smtClean="0"/>
-              <a:t>06/05/2021</a:t>
+              <a:t>03/06/2021</a:t>
             </a:fld>
             <a:endParaRPr lang="en-US"/>
           </a:p>
@@ -4008,7 +3321,7 @@
           <a:p>
             <a:fld id="{92BD5457-AB9D-3A48-A917-8AD1B4CA7168}" type="datetime1">
               <a:rPr lang="fr-FR" smtClean="0"/>
-              <a:t>06/05/2021</a:t>
+              <a:t>03/06/2021</a:t>
             </a:fld>
             <a:endParaRPr lang="en-US"/>
           </a:p>
@@ -4362,7 +3675,7 @@
           <a:p>
             <a:fld id="{6A57480D-DCC0-C548-8C90-3170E546F090}" type="datetime1">
               <a:rPr lang="fr-FR" smtClean="0"/>
-              <a:t>06/05/2021</a:t>
+              <a:t>03/06/2021</a:t>
             </a:fld>
             <a:endParaRPr lang="en-US"/>
           </a:p>
@@ -4744,7 +4057,7 @@
           <a:p>
             <a:fld id="{4BA28627-39DE-5B4B-B75D-97460442AD94}" type="datetime1">
               <a:rPr lang="fr-FR" smtClean="0"/>
-              <a:t>06/05/2021</a:t>
+              <a:t>03/06/2021</a:t>
             </a:fld>
             <a:endParaRPr lang="en-US"/>
           </a:p>
@@ -5031,7 +4344,7 @@
           <a:p>
             <a:fld id="{A77A5EE7-9FEA-FF44-BA9C-1E89A3EA782F}" type="datetime1">
               <a:rPr lang="fr-FR" smtClean="0"/>
-              <a:t>06/05/2021</a:t>
+              <a:t>03/06/2021</a:t>
             </a:fld>
             <a:endParaRPr lang="en-US"/>
           </a:p>
@@ -5650,6 +4963,36 @@
           </a:p>
         </p:txBody>
       </p:sp>
+      <p:pic>
+        <p:nvPicPr>
+          <p:cNvPr id="8" name="Image 7"/>
+          <p:cNvPicPr>
+            <a:picLocks noChangeAspect="1"/>
+          </p:cNvPicPr>
+          <p:nvPr/>
+        </p:nvPicPr>
+        <p:blipFill>
+          <a:blip r:embed="rId2" cstate="email">
+            <a:extLst>
+              <a:ext uri="{28A0092B-C50C-407E-A947-70E740481C1C}">
+                <a14:useLocalDpi xmlns:a14="http://schemas.microsoft.com/office/drawing/2010/main" val="0"/>
+              </a:ext>
+            </a:extLst>
+          </a:blip>
+          <a:stretch>
+            <a:fillRect/>
+          </a:stretch>
+        </p:blipFill>
+        <p:spPr>
+          <a:xfrm>
+            <a:off x="7400559" y="11606"/>
+            <a:ext cx="1743441" cy="1743441"/>
+          </a:xfrm>
+          <a:prstGeom prst="rect">
+            <a:avLst/>
+          </a:prstGeom>
+        </p:spPr>
+      </p:pic>
     </p:spTree>
     <p:extLst>
       <p:ext uri="{BB962C8B-B14F-4D97-AF65-F5344CB8AC3E}">
@@ -5660,6 +5003,13 @@
   <p:clrMapOvr>
     <a:masterClrMapping/>
   </p:clrMapOvr>
+  <p:timing>
+    <p:tnLst>
+      <p:par>
+        <p:cTn id="1" dur="indefinite" restart="never" nodeType="tmRoot"/>
+      </p:par>
+    </p:tnLst>
+  </p:timing>
 </p:sld>
 </file>
 
@@ -5697,9 +5047,63 @@
           <a:p>
             <a:r>
               <a:rPr lang="fr-FR" dirty="0" smtClean="0"/>
-              <a:t>Diagramme de classe</a:t>
+              <a:t>Partie 1</a:t>
             </a:r>
             <a:endParaRPr lang="fr-FR" dirty="0"/>
+          </a:p>
+        </p:txBody>
+      </p:sp>
+      <p:sp>
+        <p:nvSpPr>
+          <p:cNvPr id="3" name="Espace réservé du contenu 2"/>
+          <p:cNvSpPr>
+            <a:spLocks noGrp="1"/>
+          </p:cNvSpPr>
+          <p:nvPr>
+            <p:ph idx="1"/>
+          </p:nvPr>
+        </p:nvSpPr>
+        <p:spPr>
+          <a:xfrm>
+            <a:off x="779462" y="1780378"/>
+            <a:ext cx="7581901" cy="3953436"/>
+          </a:xfrm>
+        </p:spPr>
+        <p:txBody>
+          <a:bodyPr>
+            <a:normAutofit/>
+          </a:bodyPr>
+          <a:lstStyle/>
+          <a:p>
+            <a:r>
+              <a:rPr lang="fr-FR" dirty="0" smtClean="0"/>
+              <a:t>Organisation du projet</a:t>
+            </a:r>
+          </a:p>
+          <a:p>
+            <a:pPr marL="201168" lvl="1" indent="0">
+              <a:buNone/>
+            </a:pPr>
+            <a:r>
+              <a:rPr lang="fr-FR" dirty="0" smtClean="0"/>
+              <a:t>Répartition des tâches</a:t>
+            </a:r>
+          </a:p>
+          <a:p>
+            <a:pPr lvl="1"/>
+            <a:endParaRPr lang="fr-FR" dirty="0" smtClean="0"/>
+          </a:p>
+          <a:p>
+            <a:pPr marL="806450" lvl="2" indent="0">
+              <a:buNone/>
+            </a:pPr>
+            <a:endParaRPr lang="fr-FR" dirty="0"/>
+          </a:p>
+          <a:p>
+            <a:pPr marL="806450" lvl="2" indent="0">
+              <a:buNone/>
+            </a:pPr>
+            <a:endParaRPr lang="fr-FR" dirty="0" smtClean="0"/>
           </a:p>
         </p:txBody>
       </p:sp>
@@ -5747,22 +5151,52 @@
       </p:sp>
       <p:pic>
         <p:nvPicPr>
-          <p:cNvPr id="8" name="Image 7"/>
+          <p:cNvPr id="10" name="Image 9"/>
           <p:cNvPicPr>
             <a:picLocks noChangeAspect="1"/>
           </p:cNvPicPr>
           <p:nvPr/>
         </p:nvPicPr>
         <p:blipFill>
-          <a:blip r:embed="rId2"/>
+          <a:blip r:embed="rId3" cstate="email">
+            <a:extLst>
+              <a:ext uri="{28A0092B-C50C-407E-A947-70E740481C1C}">
+                <a14:useLocalDpi xmlns:a14="http://schemas.microsoft.com/office/drawing/2010/main" val="0"/>
+              </a:ext>
+            </a:extLst>
+          </a:blip>
           <a:stretch>
             <a:fillRect/>
           </a:stretch>
         </p:blipFill>
         <p:spPr>
           <a:xfrm>
-            <a:off x="2747516" y="1864390"/>
-            <a:ext cx="3694688" cy="4468367"/>
+            <a:off x="7400559" y="36937"/>
+            <a:ext cx="1743441" cy="1743441"/>
+          </a:xfrm>
+          <a:prstGeom prst="rect">
+            <a:avLst/>
+          </a:prstGeom>
+        </p:spPr>
+      </p:pic>
+      <p:pic>
+        <p:nvPicPr>
+          <p:cNvPr id="7" name="Image 6"/>
+          <p:cNvPicPr>
+            <a:picLocks noChangeAspect="1"/>
+          </p:cNvPicPr>
+          <p:nvPr/>
+        </p:nvPicPr>
+        <p:blipFill>
+          <a:blip r:embed="rId4"/>
+          <a:stretch>
+            <a:fillRect/>
+          </a:stretch>
+        </p:blipFill>
+        <p:spPr>
+          <a:xfrm>
+            <a:off x="779462" y="2347546"/>
+            <a:ext cx="6526680" cy="3972291"/>
           </a:xfrm>
           <a:prstGeom prst="rect">
             <a:avLst/>
@@ -5772,13 +5206,20 @@
     </p:spTree>
     <p:extLst>
       <p:ext uri="{BB962C8B-B14F-4D97-AF65-F5344CB8AC3E}">
-        <p14:creationId xmlns:p14="http://schemas.microsoft.com/office/powerpoint/2010/main" val="3200054562"/>
+        <p14:creationId xmlns:p14="http://schemas.microsoft.com/office/powerpoint/2010/main" val="3944634530"/>
       </p:ext>
     </p:extLst>
   </p:cSld>
   <p:clrMapOvr>
     <a:masterClrMapping/>
   </p:clrMapOvr>
+  <p:timing>
+    <p:tnLst>
+      <p:par>
+        <p:cTn id="1" dur="indefinite" restart="never" nodeType="tmRoot"/>
+      </p:par>
+    </p:tnLst>
+  </p:timing>
 </p:sld>
 </file>
 
@@ -5809,9 +5250,955 @@
             <p:ph type="title"/>
           </p:nvPr>
         </p:nvSpPr>
-        <p:spPr>
-          <a:xfrm>
-            <a:off x="484222" y="-420302"/>
+        <p:spPr/>
+        <p:txBody>
+          <a:bodyPr/>
+          <a:lstStyle/>
+          <a:p>
+            <a:r>
+              <a:rPr lang="fr-FR" dirty="0" smtClean="0"/>
+              <a:t>Partie 1</a:t>
+            </a:r>
+            <a:endParaRPr lang="fr-FR" dirty="0"/>
+          </a:p>
+        </p:txBody>
+      </p:sp>
+      <p:sp>
+        <p:nvSpPr>
+          <p:cNvPr id="3" name="Espace réservé du contenu 2"/>
+          <p:cNvSpPr>
+            <a:spLocks noGrp="1"/>
+          </p:cNvSpPr>
+          <p:nvPr>
+            <p:ph idx="1"/>
+          </p:nvPr>
+        </p:nvSpPr>
+        <p:spPr>
+          <a:xfrm>
+            <a:off x="779462" y="1780378"/>
+            <a:ext cx="7581901" cy="3953436"/>
+          </a:xfrm>
+        </p:spPr>
+        <p:txBody>
+          <a:bodyPr>
+            <a:normAutofit/>
+          </a:bodyPr>
+          <a:lstStyle/>
+          <a:p>
+            <a:r>
+              <a:rPr lang="fr-FR" dirty="0" smtClean="0"/>
+              <a:t>Organisation du projet</a:t>
+            </a:r>
+          </a:p>
+          <a:p>
+            <a:pPr marL="201168" lvl="1" indent="0">
+              <a:buNone/>
+            </a:pPr>
+            <a:r>
+              <a:rPr lang="fr-FR" dirty="0" smtClean="0"/>
+              <a:t>Répartition des tâches</a:t>
+            </a:r>
+          </a:p>
+          <a:p>
+            <a:pPr lvl="1"/>
+            <a:endParaRPr lang="fr-FR" dirty="0" smtClean="0"/>
+          </a:p>
+          <a:p>
+            <a:pPr marL="806450" lvl="2" indent="0">
+              <a:buNone/>
+            </a:pPr>
+            <a:endParaRPr lang="fr-FR" dirty="0"/>
+          </a:p>
+          <a:p>
+            <a:pPr marL="806450" lvl="2" indent="0">
+              <a:buNone/>
+            </a:pPr>
+            <a:endParaRPr lang="fr-FR" dirty="0" smtClean="0"/>
+          </a:p>
+        </p:txBody>
+      </p:sp>
+      <p:sp>
+        <p:nvSpPr>
+          <p:cNvPr id="4" name="Espace réservé du pied de page 3"/>
+          <p:cNvSpPr>
+            <a:spLocks noGrp="1"/>
+          </p:cNvSpPr>
+          <p:nvPr>
+            <p:ph type="ftr" sz="quarter" idx="11"/>
+          </p:nvPr>
+        </p:nvSpPr>
+        <p:spPr/>
+        <p:txBody>
+          <a:bodyPr/>
+          <a:lstStyle/>
+          <a:p>
+            <a:endParaRPr lang="en-US" dirty="0"/>
+          </a:p>
+        </p:txBody>
+      </p:sp>
+      <p:sp>
+        <p:nvSpPr>
+          <p:cNvPr id="5" name="Espace réservé du numéro de diapositive 4"/>
+          <p:cNvSpPr>
+            <a:spLocks noGrp="1"/>
+          </p:cNvSpPr>
+          <p:nvPr>
+            <p:ph type="sldNum" sz="quarter" idx="12"/>
+          </p:nvPr>
+        </p:nvSpPr>
+        <p:spPr/>
+        <p:txBody>
+          <a:bodyPr/>
+          <a:lstStyle/>
+          <a:p>
+            <a:fld id="{D12AA694-00EB-4F4B-AABB-6F50FB178914}" type="slidenum">
+              <a:rPr lang="en-US" smtClean="0"/>
+              <a:t>11</a:t>
+            </a:fld>
+            <a:endParaRPr lang="en-US"/>
+          </a:p>
+        </p:txBody>
+      </p:sp>
+      <p:pic>
+        <p:nvPicPr>
+          <p:cNvPr id="10" name="Image 9"/>
+          <p:cNvPicPr>
+            <a:picLocks noChangeAspect="1"/>
+          </p:cNvPicPr>
+          <p:nvPr/>
+        </p:nvPicPr>
+        <p:blipFill>
+          <a:blip r:embed="rId3" cstate="email">
+            <a:extLst>
+              <a:ext uri="{28A0092B-C50C-407E-A947-70E740481C1C}">
+                <a14:useLocalDpi xmlns:a14="http://schemas.microsoft.com/office/drawing/2010/main" val="0"/>
+              </a:ext>
+            </a:extLst>
+          </a:blip>
+          <a:stretch>
+            <a:fillRect/>
+          </a:stretch>
+        </p:blipFill>
+        <p:spPr>
+          <a:xfrm>
+            <a:off x="7400559" y="36937"/>
+            <a:ext cx="1743441" cy="1743441"/>
+          </a:xfrm>
+          <a:prstGeom prst="rect">
+            <a:avLst/>
+          </a:prstGeom>
+        </p:spPr>
+      </p:pic>
+      <p:pic>
+        <p:nvPicPr>
+          <p:cNvPr id="7" name="Image 6"/>
+          <p:cNvPicPr>
+            <a:picLocks noChangeAspect="1"/>
+          </p:cNvPicPr>
+          <p:nvPr/>
+        </p:nvPicPr>
+        <p:blipFill>
+          <a:blip r:embed="rId4"/>
+          <a:stretch>
+            <a:fillRect/>
+          </a:stretch>
+        </p:blipFill>
+        <p:spPr>
+          <a:xfrm>
+            <a:off x="1310294" y="2381250"/>
+            <a:ext cx="6115050" cy="3924300"/>
+          </a:xfrm>
+          <a:prstGeom prst="rect">
+            <a:avLst/>
+          </a:prstGeom>
+        </p:spPr>
+      </p:pic>
+    </p:spTree>
+    <p:extLst>
+      <p:ext uri="{BB962C8B-B14F-4D97-AF65-F5344CB8AC3E}">
+        <p14:creationId xmlns:p14="http://schemas.microsoft.com/office/powerpoint/2010/main" val="3410900930"/>
+      </p:ext>
+    </p:extLst>
+  </p:cSld>
+  <p:clrMapOvr>
+    <a:masterClrMapping/>
+  </p:clrMapOvr>
+  <p:timing>
+    <p:tnLst>
+      <p:par>
+        <p:cTn id="1" dur="indefinite" restart="never" nodeType="tmRoot"/>
+      </p:par>
+    </p:tnLst>
+  </p:timing>
+</p:sld>
+</file>
+
+<file path=ppt/slides/slide12.xml><?xml version="1.0" encoding="utf-8"?>
+<p:sld xmlns:a="http://schemas.openxmlformats.org/drawingml/2006/main" xmlns:r="http://schemas.openxmlformats.org/officeDocument/2006/relationships" xmlns:p="http://schemas.openxmlformats.org/presentationml/2006/main">
+  <p:cSld>
+    <p:spTree>
+      <p:nvGrpSpPr>
+        <p:cNvPr id="1" name=""/>
+        <p:cNvGrpSpPr/>
+        <p:nvPr/>
+      </p:nvGrpSpPr>
+      <p:grpSpPr>
+        <a:xfrm>
+          <a:off x="0" y="0"/>
+          <a:ext cx="0" cy="0"/>
+          <a:chOff x="0" y="0"/>
+          <a:chExt cx="0" cy="0"/>
+        </a:xfrm>
+      </p:grpSpPr>
+      <p:sp>
+        <p:nvSpPr>
+          <p:cNvPr id="2" name="Titre 1"/>
+          <p:cNvSpPr>
+            <a:spLocks noGrp="1"/>
+          </p:cNvSpPr>
+          <p:nvPr>
+            <p:ph type="title"/>
+          </p:nvPr>
+        </p:nvSpPr>
+        <p:spPr>
+          <a:xfrm>
+            <a:off x="0" y="0"/>
+            <a:ext cx="7543800" cy="1450757"/>
+          </a:xfrm>
+        </p:spPr>
+        <p:txBody>
+          <a:bodyPr/>
+          <a:lstStyle/>
+          <a:p>
+            <a:r>
+              <a:rPr lang="fr-FR" dirty="0" smtClean="0"/>
+              <a:t>Analyse</a:t>
+            </a:r>
+            <a:endParaRPr lang="fr-FR" dirty="0"/>
+          </a:p>
+        </p:txBody>
+      </p:sp>
+      <p:sp>
+        <p:nvSpPr>
+          <p:cNvPr id="3" name="Espace réservé du contenu 2"/>
+          <p:cNvSpPr>
+            <a:spLocks noGrp="1"/>
+          </p:cNvSpPr>
+          <p:nvPr>
+            <p:ph idx="1"/>
+          </p:nvPr>
+        </p:nvSpPr>
+        <p:spPr>
+          <a:xfrm>
+            <a:off x="0" y="1309403"/>
+            <a:ext cx="7543801" cy="4023360"/>
+          </a:xfrm>
+        </p:spPr>
+        <p:txBody>
+          <a:bodyPr>
+            <a:normAutofit/>
+          </a:bodyPr>
+          <a:lstStyle/>
+          <a:p>
+            <a:r>
+              <a:rPr lang="fr-FR" dirty="0" smtClean="0"/>
+              <a:t>Diagramme de cas d’utilisation</a:t>
+            </a:r>
+            <a:endParaRPr lang="fr-FR" dirty="0"/>
+          </a:p>
+          <a:p>
+            <a:pPr marL="806450" lvl="2" indent="0">
+              <a:buNone/>
+            </a:pPr>
+            <a:endParaRPr lang="fr-FR" dirty="0"/>
+          </a:p>
+          <a:p>
+            <a:pPr marL="806450" lvl="2" indent="0">
+              <a:buNone/>
+            </a:pPr>
+            <a:endParaRPr lang="fr-FR" dirty="0" smtClean="0"/>
+          </a:p>
+        </p:txBody>
+      </p:sp>
+      <p:sp>
+        <p:nvSpPr>
+          <p:cNvPr id="4" name="Espace réservé du pied de page 3"/>
+          <p:cNvSpPr>
+            <a:spLocks noGrp="1"/>
+          </p:cNvSpPr>
+          <p:nvPr>
+            <p:ph type="ftr" sz="quarter" idx="11"/>
+          </p:nvPr>
+        </p:nvSpPr>
+        <p:spPr/>
+        <p:txBody>
+          <a:bodyPr/>
+          <a:lstStyle/>
+          <a:p>
+            <a:endParaRPr lang="en-US"/>
+          </a:p>
+        </p:txBody>
+      </p:sp>
+      <p:sp>
+        <p:nvSpPr>
+          <p:cNvPr id="5" name="Espace réservé du numéro de diapositive 4"/>
+          <p:cNvSpPr>
+            <a:spLocks noGrp="1"/>
+          </p:cNvSpPr>
+          <p:nvPr>
+            <p:ph type="sldNum" sz="quarter" idx="12"/>
+          </p:nvPr>
+        </p:nvSpPr>
+        <p:spPr/>
+        <p:txBody>
+          <a:bodyPr/>
+          <a:lstStyle/>
+          <a:p>
+            <a:fld id="{D12AA694-00EB-4F4B-AABB-6F50FB178914}" type="slidenum">
+              <a:rPr lang="en-US" smtClean="0"/>
+              <a:t>12</a:t>
+            </a:fld>
+            <a:endParaRPr lang="en-US"/>
+          </a:p>
+        </p:txBody>
+      </p:sp>
+      <p:pic>
+        <p:nvPicPr>
+          <p:cNvPr id="8" name="Image 7"/>
+          <p:cNvPicPr>
+            <a:picLocks noChangeAspect="1"/>
+          </p:cNvPicPr>
+          <p:nvPr/>
+        </p:nvPicPr>
+        <p:blipFill>
+          <a:blip r:embed="rId2" cstate="email">
+            <a:extLst>
+              <a:ext uri="{28A0092B-C50C-407E-A947-70E740481C1C}">
+                <a14:useLocalDpi xmlns:a14="http://schemas.microsoft.com/office/drawing/2010/main" val="0"/>
+              </a:ext>
+            </a:extLst>
+          </a:blip>
+          <a:stretch>
+            <a:fillRect/>
+          </a:stretch>
+        </p:blipFill>
+        <p:spPr>
+          <a:xfrm>
+            <a:off x="7400559" y="6703"/>
+            <a:ext cx="1743441" cy="1743441"/>
+          </a:xfrm>
+          <a:prstGeom prst="rect">
+            <a:avLst/>
+          </a:prstGeom>
+        </p:spPr>
+      </p:pic>
+      <p:pic>
+        <p:nvPicPr>
+          <p:cNvPr id="6" name="Image 5"/>
+          <p:cNvPicPr>
+            <a:picLocks noChangeAspect="1"/>
+          </p:cNvPicPr>
+          <p:nvPr/>
+        </p:nvPicPr>
+        <p:blipFill>
+          <a:blip r:embed="rId3" cstate="email">
+            <a:extLst>
+              <a:ext uri="{28A0092B-C50C-407E-A947-70E740481C1C}">
+                <a14:useLocalDpi xmlns:a14="http://schemas.microsoft.com/office/drawing/2010/main" val="0"/>
+              </a:ext>
+            </a:extLst>
+          </a:blip>
+          <a:stretch>
+            <a:fillRect/>
+          </a:stretch>
+        </p:blipFill>
+        <p:spPr>
+          <a:xfrm>
+            <a:off x="753527" y="1775008"/>
+            <a:ext cx="7639325" cy="4552014"/>
+          </a:xfrm>
+          <a:prstGeom prst="rect">
+            <a:avLst/>
+          </a:prstGeom>
+        </p:spPr>
+      </p:pic>
+    </p:spTree>
+    <p:extLst>
+      <p:ext uri="{BB962C8B-B14F-4D97-AF65-F5344CB8AC3E}">
+        <p14:creationId xmlns:p14="http://schemas.microsoft.com/office/powerpoint/2010/main" val="697307151"/>
+      </p:ext>
+    </p:extLst>
+  </p:cSld>
+  <p:clrMapOvr>
+    <a:masterClrMapping/>
+  </p:clrMapOvr>
+  <p:timing>
+    <p:tnLst>
+      <p:par>
+        <p:cTn id="1" dur="indefinite" restart="never" nodeType="tmRoot"/>
+      </p:par>
+    </p:tnLst>
+  </p:timing>
+</p:sld>
+</file>
+
+<file path=ppt/slides/slide13.xml><?xml version="1.0" encoding="utf-8"?>
+<p:sld xmlns:a="http://schemas.openxmlformats.org/drawingml/2006/main" xmlns:r="http://schemas.openxmlformats.org/officeDocument/2006/relationships" xmlns:p="http://schemas.openxmlformats.org/presentationml/2006/main">
+  <p:cSld>
+    <p:spTree>
+      <p:nvGrpSpPr>
+        <p:cNvPr id="1" name=""/>
+        <p:cNvGrpSpPr/>
+        <p:nvPr/>
+      </p:nvGrpSpPr>
+      <p:grpSpPr>
+        <a:xfrm>
+          <a:off x="0" y="0"/>
+          <a:ext cx="0" cy="0"/>
+          <a:chOff x="0" y="0"/>
+          <a:chExt cx="0" cy="0"/>
+        </a:xfrm>
+      </p:grpSpPr>
+      <p:sp>
+        <p:nvSpPr>
+          <p:cNvPr id="2" name="Titre 1"/>
+          <p:cNvSpPr>
+            <a:spLocks noGrp="1"/>
+          </p:cNvSpPr>
+          <p:nvPr>
+            <p:ph type="title"/>
+          </p:nvPr>
+        </p:nvSpPr>
+        <p:spPr>
+          <a:xfrm>
+            <a:off x="0" y="-6080"/>
+            <a:ext cx="7543800" cy="1450757"/>
+          </a:xfrm>
+        </p:spPr>
+        <p:txBody>
+          <a:bodyPr/>
+          <a:lstStyle/>
+          <a:p>
+            <a:r>
+              <a:rPr lang="fr-FR" dirty="0" smtClean="0"/>
+              <a:t>Analyse</a:t>
+            </a:r>
+            <a:endParaRPr lang="fr-FR" dirty="0"/>
+          </a:p>
+        </p:txBody>
+      </p:sp>
+      <p:sp>
+        <p:nvSpPr>
+          <p:cNvPr id="3" name="Espace réservé du contenu 2"/>
+          <p:cNvSpPr>
+            <a:spLocks noGrp="1"/>
+          </p:cNvSpPr>
+          <p:nvPr>
+            <p:ph idx="1"/>
+          </p:nvPr>
+        </p:nvSpPr>
+        <p:spPr>
+          <a:xfrm>
+            <a:off x="-1" y="1265441"/>
+            <a:ext cx="7543801" cy="4023360"/>
+          </a:xfrm>
+        </p:spPr>
+        <p:txBody>
+          <a:bodyPr>
+            <a:normAutofit/>
+          </a:bodyPr>
+          <a:lstStyle/>
+          <a:p>
+            <a:r>
+              <a:rPr lang="fr-FR" dirty="0" smtClean="0"/>
+              <a:t>Diagramme de cas d’utilisation Personnel détaillé</a:t>
+            </a:r>
+            <a:endParaRPr lang="fr-FR" dirty="0"/>
+          </a:p>
+          <a:p>
+            <a:pPr marL="806450" lvl="2" indent="0">
+              <a:buNone/>
+            </a:pPr>
+            <a:endParaRPr lang="fr-FR" dirty="0"/>
+          </a:p>
+          <a:p>
+            <a:pPr marL="806450" lvl="2" indent="0">
+              <a:buNone/>
+            </a:pPr>
+            <a:endParaRPr lang="fr-FR" dirty="0" smtClean="0"/>
+          </a:p>
+        </p:txBody>
+      </p:sp>
+      <p:sp>
+        <p:nvSpPr>
+          <p:cNvPr id="4" name="Espace réservé du pied de page 3"/>
+          <p:cNvSpPr>
+            <a:spLocks noGrp="1"/>
+          </p:cNvSpPr>
+          <p:nvPr>
+            <p:ph type="ftr" sz="quarter" idx="11"/>
+          </p:nvPr>
+        </p:nvSpPr>
+        <p:spPr/>
+        <p:txBody>
+          <a:bodyPr/>
+          <a:lstStyle/>
+          <a:p>
+            <a:endParaRPr lang="en-US"/>
+          </a:p>
+        </p:txBody>
+      </p:sp>
+      <p:sp>
+        <p:nvSpPr>
+          <p:cNvPr id="5" name="Espace réservé du numéro de diapositive 4"/>
+          <p:cNvSpPr>
+            <a:spLocks noGrp="1"/>
+          </p:cNvSpPr>
+          <p:nvPr>
+            <p:ph type="sldNum" sz="quarter" idx="12"/>
+          </p:nvPr>
+        </p:nvSpPr>
+        <p:spPr/>
+        <p:txBody>
+          <a:bodyPr/>
+          <a:lstStyle/>
+          <a:p>
+            <a:fld id="{D12AA694-00EB-4F4B-AABB-6F50FB178914}" type="slidenum">
+              <a:rPr lang="en-US" smtClean="0"/>
+              <a:t>13</a:t>
+            </a:fld>
+            <a:endParaRPr lang="en-US"/>
+          </a:p>
+        </p:txBody>
+      </p:sp>
+      <p:pic>
+        <p:nvPicPr>
+          <p:cNvPr id="8" name="Image 7"/>
+          <p:cNvPicPr>
+            <a:picLocks noChangeAspect="1"/>
+          </p:cNvPicPr>
+          <p:nvPr/>
+        </p:nvPicPr>
+        <p:blipFill>
+          <a:blip r:embed="rId2" cstate="email">
+            <a:extLst>
+              <a:ext uri="{28A0092B-C50C-407E-A947-70E740481C1C}">
+                <a14:useLocalDpi xmlns:a14="http://schemas.microsoft.com/office/drawing/2010/main" val="0"/>
+              </a:ext>
+            </a:extLst>
+          </a:blip>
+          <a:stretch>
+            <a:fillRect/>
+          </a:stretch>
+        </p:blipFill>
+        <p:spPr>
+          <a:xfrm>
+            <a:off x="7400559" y="-6080"/>
+            <a:ext cx="1743441" cy="1743441"/>
+          </a:xfrm>
+          <a:prstGeom prst="rect">
+            <a:avLst/>
+          </a:prstGeom>
+        </p:spPr>
+      </p:pic>
+      <p:pic>
+        <p:nvPicPr>
+          <p:cNvPr id="6" name="Image 5"/>
+          <p:cNvPicPr>
+            <a:picLocks noChangeAspect="1"/>
+          </p:cNvPicPr>
+          <p:nvPr/>
+        </p:nvPicPr>
+        <p:blipFill>
+          <a:blip r:embed="rId3" cstate="email">
+            <a:extLst>
+              <a:ext uri="{28A0092B-C50C-407E-A947-70E740481C1C}">
+                <a14:useLocalDpi xmlns:a14="http://schemas.microsoft.com/office/drawing/2010/main" val="0"/>
+              </a:ext>
+            </a:extLst>
+          </a:blip>
+          <a:stretch>
+            <a:fillRect/>
+          </a:stretch>
+        </p:blipFill>
+        <p:spPr>
+          <a:xfrm>
+            <a:off x="1430676" y="1816198"/>
+            <a:ext cx="6285027" cy="4497930"/>
+          </a:xfrm>
+          <a:prstGeom prst="rect">
+            <a:avLst/>
+          </a:prstGeom>
+        </p:spPr>
+      </p:pic>
+    </p:spTree>
+    <p:extLst>
+      <p:ext uri="{BB962C8B-B14F-4D97-AF65-F5344CB8AC3E}">
+        <p14:creationId xmlns:p14="http://schemas.microsoft.com/office/powerpoint/2010/main" val="1891709234"/>
+      </p:ext>
+    </p:extLst>
+  </p:cSld>
+  <p:clrMapOvr>
+    <a:masterClrMapping/>
+  </p:clrMapOvr>
+  <p:timing>
+    <p:tnLst>
+      <p:par>
+        <p:cTn id="1" dur="indefinite" restart="never" nodeType="tmRoot"/>
+      </p:par>
+    </p:tnLst>
+  </p:timing>
+</p:sld>
+</file>
+
+<file path=ppt/slides/slide14.xml><?xml version="1.0" encoding="utf-8"?>
+<p:sld xmlns:a="http://schemas.openxmlformats.org/drawingml/2006/main" xmlns:r="http://schemas.openxmlformats.org/officeDocument/2006/relationships" xmlns:p="http://schemas.openxmlformats.org/presentationml/2006/main">
+  <p:cSld>
+    <p:spTree>
+      <p:nvGrpSpPr>
+        <p:cNvPr id="1" name=""/>
+        <p:cNvGrpSpPr/>
+        <p:nvPr/>
+      </p:nvGrpSpPr>
+      <p:grpSpPr>
+        <a:xfrm>
+          <a:off x="0" y="0"/>
+          <a:ext cx="0" cy="0"/>
+          <a:chOff x="0" y="0"/>
+          <a:chExt cx="0" cy="0"/>
+        </a:xfrm>
+      </p:grpSpPr>
+      <p:sp>
+        <p:nvSpPr>
+          <p:cNvPr id="2" name="Titre 1"/>
+          <p:cNvSpPr>
+            <a:spLocks noGrp="1"/>
+          </p:cNvSpPr>
+          <p:nvPr>
+            <p:ph type="title"/>
+          </p:nvPr>
+        </p:nvSpPr>
+        <p:spPr/>
+        <p:txBody>
+          <a:bodyPr/>
+          <a:lstStyle/>
+          <a:p>
+            <a:r>
+              <a:rPr lang="fr-FR" dirty="0" smtClean="0"/>
+              <a:t>MCD</a:t>
+            </a:r>
+            <a:endParaRPr lang="fr-FR" dirty="0"/>
+          </a:p>
+        </p:txBody>
+      </p:sp>
+      <p:sp>
+        <p:nvSpPr>
+          <p:cNvPr id="4" name="Espace réservé du pied de page 3"/>
+          <p:cNvSpPr>
+            <a:spLocks noGrp="1"/>
+          </p:cNvSpPr>
+          <p:nvPr>
+            <p:ph type="ftr" sz="quarter" idx="11"/>
+          </p:nvPr>
+        </p:nvSpPr>
+        <p:spPr/>
+        <p:txBody>
+          <a:bodyPr/>
+          <a:lstStyle/>
+          <a:p>
+            <a:endParaRPr lang="en-US"/>
+          </a:p>
+        </p:txBody>
+      </p:sp>
+      <p:sp>
+        <p:nvSpPr>
+          <p:cNvPr id="5" name="Espace réservé du numéro de diapositive 4"/>
+          <p:cNvSpPr>
+            <a:spLocks noGrp="1"/>
+          </p:cNvSpPr>
+          <p:nvPr>
+            <p:ph type="sldNum" sz="quarter" idx="12"/>
+          </p:nvPr>
+        </p:nvSpPr>
+        <p:spPr/>
+        <p:txBody>
+          <a:bodyPr/>
+          <a:lstStyle/>
+          <a:p>
+            <a:fld id="{D12AA694-00EB-4F4B-AABB-6F50FB178914}" type="slidenum">
+              <a:rPr lang="en-US" smtClean="0"/>
+              <a:t>14</a:t>
+            </a:fld>
+            <a:endParaRPr lang="en-US"/>
+          </a:p>
+        </p:txBody>
+      </p:sp>
+      <p:pic>
+        <p:nvPicPr>
+          <p:cNvPr id="3" name="Image 2"/>
+          <p:cNvPicPr>
+            <a:picLocks noChangeAspect="1"/>
+          </p:cNvPicPr>
+          <p:nvPr/>
+        </p:nvPicPr>
+        <p:blipFill>
+          <a:blip r:embed="rId2">
+            <a:extLst>
+              <a:ext uri="{28A0092B-C50C-407E-A947-70E740481C1C}">
+                <a14:useLocalDpi xmlns:a14="http://schemas.microsoft.com/office/drawing/2010/main" val="0"/>
+              </a:ext>
+            </a:extLst>
+          </a:blip>
+          <a:stretch>
+            <a:fillRect/>
+          </a:stretch>
+        </p:blipFill>
+        <p:spPr>
+          <a:xfrm>
+            <a:off x="781227" y="1758501"/>
+            <a:ext cx="7628136" cy="4556404"/>
+          </a:xfrm>
+          <a:prstGeom prst="rect">
+            <a:avLst/>
+          </a:prstGeom>
+        </p:spPr>
+      </p:pic>
+      <p:pic>
+        <p:nvPicPr>
+          <p:cNvPr id="13" name="Image 12"/>
+          <p:cNvPicPr>
+            <a:picLocks noChangeAspect="1"/>
+          </p:cNvPicPr>
+          <p:nvPr/>
+        </p:nvPicPr>
+        <p:blipFill>
+          <a:blip r:embed="rId3" cstate="email">
+            <a:extLst>
+              <a:ext uri="{28A0092B-C50C-407E-A947-70E740481C1C}">
+                <a14:useLocalDpi xmlns:a14="http://schemas.microsoft.com/office/drawing/2010/main" val="0"/>
+              </a:ext>
+            </a:extLst>
+          </a:blip>
+          <a:stretch>
+            <a:fillRect/>
+          </a:stretch>
+        </p:blipFill>
+        <p:spPr>
+          <a:xfrm>
+            <a:off x="7400559" y="0"/>
+            <a:ext cx="1743441" cy="1743441"/>
+          </a:xfrm>
+          <a:prstGeom prst="rect">
+            <a:avLst/>
+          </a:prstGeom>
+        </p:spPr>
+      </p:pic>
+    </p:spTree>
+    <p:extLst>
+      <p:ext uri="{BB962C8B-B14F-4D97-AF65-F5344CB8AC3E}">
+        <p14:creationId xmlns:p14="http://schemas.microsoft.com/office/powerpoint/2010/main" val="2747144357"/>
+      </p:ext>
+    </p:extLst>
+  </p:cSld>
+  <p:clrMapOvr>
+    <a:masterClrMapping/>
+  </p:clrMapOvr>
+  <p:timing>
+    <p:tnLst>
+      <p:par>
+        <p:cTn id="1" dur="indefinite" restart="never" nodeType="tmRoot"/>
+      </p:par>
+    </p:tnLst>
+  </p:timing>
+</p:sld>
+</file>
+
+<file path=ppt/slides/slide15.xml><?xml version="1.0" encoding="utf-8"?>
+<p:sld xmlns:a="http://schemas.openxmlformats.org/drawingml/2006/main" xmlns:r="http://schemas.openxmlformats.org/officeDocument/2006/relationships" xmlns:p="http://schemas.openxmlformats.org/presentationml/2006/main">
+  <p:cSld>
+    <p:spTree>
+      <p:nvGrpSpPr>
+        <p:cNvPr id="1" name=""/>
+        <p:cNvGrpSpPr/>
+        <p:nvPr/>
+      </p:nvGrpSpPr>
+      <p:grpSpPr>
+        <a:xfrm>
+          <a:off x="0" y="0"/>
+          <a:ext cx="0" cy="0"/>
+          <a:chOff x="0" y="0"/>
+          <a:chExt cx="0" cy="0"/>
+        </a:xfrm>
+      </p:grpSpPr>
+      <p:sp>
+        <p:nvSpPr>
+          <p:cNvPr id="2" name="Titre 1"/>
+          <p:cNvSpPr>
+            <a:spLocks noGrp="1"/>
+          </p:cNvSpPr>
+          <p:nvPr>
+            <p:ph type="title"/>
+          </p:nvPr>
+        </p:nvSpPr>
+        <p:spPr/>
+        <p:txBody>
+          <a:bodyPr/>
+          <a:lstStyle/>
+          <a:p>
+            <a:r>
+              <a:rPr lang="fr-FR" dirty="0" smtClean="0"/>
+              <a:t>Diagramme de classe</a:t>
+            </a:r>
+            <a:endParaRPr lang="fr-FR" dirty="0"/>
+          </a:p>
+        </p:txBody>
+      </p:sp>
+      <p:sp>
+        <p:nvSpPr>
+          <p:cNvPr id="4" name="Espace réservé du pied de page 3"/>
+          <p:cNvSpPr>
+            <a:spLocks noGrp="1"/>
+          </p:cNvSpPr>
+          <p:nvPr>
+            <p:ph type="ftr" sz="quarter" idx="11"/>
+          </p:nvPr>
+        </p:nvSpPr>
+        <p:spPr/>
+        <p:txBody>
+          <a:bodyPr/>
+          <a:lstStyle/>
+          <a:p>
+            <a:endParaRPr lang="en-US"/>
+          </a:p>
+        </p:txBody>
+      </p:sp>
+      <p:sp>
+        <p:nvSpPr>
+          <p:cNvPr id="5" name="Espace réservé du numéro de diapositive 4"/>
+          <p:cNvSpPr>
+            <a:spLocks noGrp="1"/>
+          </p:cNvSpPr>
+          <p:nvPr>
+            <p:ph type="sldNum" sz="quarter" idx="12"/>
+          </p:nvPr>
+        </p:nvSpPr>
+        <p:spPr/>
+        <p:txBody>
+          <a:bodyPr/>
+          <a:lstStyle/>
+          <a:p>
+            <a:fld id="{D12AA694-00EB-4F4B-AABB-6F50FB178914}" type="slidenum">
+              <a:rPr lang="en-US" smtClean="0"/>
+              <a:t>15</a:t>
+            </a:fld>
+            <a:endParaRPr lang="en-US"/>
+          </a:p>
+        </p:txBody>
+      </p:sp>
+      <p:pic>
+        <p:nvPicPr>
+          <p:cNvPr id="8" name="Image 7"/>
+          <p:cNvPicPr>
+            <a:picLocks noChangeAspect="1"/>
+          </p:cNvPicPr>
+          <p:nvPr/>
+        </p:nvPicPr>
+        <p:blipFill>
+          <a:blip r:embed="rId2"/>
+          <a:stretch>
+            <a:fillRect/>
+          </a:stretch>
+        </p:blipFill>
+        <p:spPr>
+          <a:xfrm>
+            <a:off x="2747516" y="1864390"/>
+            <a:ext cx="3694688" cy="4468367"/>
+          </a:xfrm>
+          <a:prstGeom prst="rect">
+            <a:avLst/>
+          </a:prstGeom>
+        </p:spPr>
+      </p:pic>
+      <p:pic>
+        <p:nvPicPr>
+          <p:cNvPr id="9" name="Image 8"/>
+          <p:cNvPicPr>
+            <a:picLocks noChangeAspect="1"/>
+          </p:cNvPicPr>
+          <p:nvPr/>
+        </p:nvPicPr>
+        <p:blipFill>
+          <a:blip r:embed="rId3" cstate="email">
+            <a:extLst>
+              <a:ext uri="{28A0092B-C50C-407E-A947-70E740481C1C}">
+                <a14:useLocalDpi xmlns:a14="http://schemas.microsoft.com/office/drawing/2010/main" val="0"/>
+              </a:ext>
+            </a:extLst>
+          </a:blip>
+          <a:stretch>
+            <a:fillRect/>
+          </a:stretch>
+        </p:blipFill>
+        <p:spPr>
+          <a:xfrm>
+            <a:off x="7400559" y="0"/>
+            <a:ext cx="1743441" cy="1743441"/>
+          </a:xfrm>
+          <a:prstGeom prst="rect">
+            <a:avLst/>
+          </a:prstGeom>
+        </p:spPr>
+      </p:pic>
+    </p:spTree>
+    <p:extLst>
+      <p:ext uri="{BB962C8B-B14F-4D97-AF65-F5344CB8AC3E}">
+        <p14:creationId xmlns:p14="http://schemas.microsoft.com/office/powerpoint/2010/main" val="3200054562"/>
+      </p:ext>
+    </p:extLst>
+  </p:cSld>
+  <p:clrMapOvr>
+    <a:masterClrMapping/>
+  </p:clrMapOvr>
+  <p:timing>
+    <p:tnLst>
+      <p:par>
+        <p:cTn id="1" dur="indefinite" restart="never" nodeType="tmRoot"/>
+      </p:par>
+    </p:tnLst>
+  </p:timing>
+</p:sld>
+</file>
+
+<file path=ppt/slides/slide16.xml><?xml version="1.0" encoding="utf-8"?>
+<p:sld xmlns:a="http://schemas.openxmlformats.org/drawingml/2006/main" xmlns:r="http://schemas.openxmlformats.org/officeDocument/2006/relationships" xmlns:p="http://schemas.openxmlformats.org/presentationml/2006/main">
+  <p:cSld>
+    <p:spTree>
+      <p:nvGrpSpPr>
+        <p:cNvPr id="1" name=""/>
+        <p:cNvGrpSpPr/>
+        <p:nvPr/>
+      </p:nvGrpSpPr>
+      <p:grpSpPr>
+        <a:xfrm>
+          <a:off x="0" y="0"/>
+          <a:ext cx="0" cy="0"/>
+          <a:chOff x="0" y="0"/>
+          <a:chExt cx="0" cy="0"/>
+        </a:xfrm>
+      </p:grpSpPr>
+      <p:sp>
+        <p:nvSpPr>
+          <p:cNvPr id="2" name="Titre 1"/>
+          <p:cNvSpPr>
+            <a:spLocks noGrp="1"/>
+          </p:cNvSpPr>
+          <p:nvPr>
+            <p:ph type="title"/>
+          </p:nvPr>
+        </p:nvSpPr>
+        <p:spPr>
+          <a:xfrm>
+            <a:off x="118276" y="-1598471"/>
             <a:ext cx="3557269" cy="2186775"/>
           </a:xfrm>
         </p:spPr>
@@ -5870,7 +6257,7 @@
           <a:p>
             <a:fld id="{D12AA694-00EB-4F4B-AABB-6F50FB178914}" type="slidenum">
               <a:rPr lang="en-US" smtClean="0"/>
-              <a:t>11</a:t>
+              <a:t>16</a:t>
             </a:fld>
             <a:endParaRPr lang="en-US"/>
           </a:p>
@@ -5898,8 +6285,8 @@
         </p:blipFill>
         <p:spPr>
           <a:xfrm>
-            <a:off x="1694688" y="771716"/>
-            <a:ext cx="7449312" cy="5490808"/>
+            <a:off x="199996" y="564777"/>
+            <a:ext cx="8319750" cy="5704672"/>
           </a:xfrm>
           <a:prstGeom prst="rect">
             <a:avLst/>
@@ -5916,10 +6303,17 @@
   <p:clrMapOvr>
     <a:masterClrMapping/>
   </p:clrMapOvr>
+  <p:timing>
+    <p:tnLst>
+      <p:par>
+        <p:cTn id="1" dur="indefinite" restart="never" nodeType="tmRoot"/>
+      </p:par>
+    </p:tnLst>
+  </p:timing>
 </p:sld>
 </file>
 
-<file path=ppt/slides/slide12.xml><?xml version="1.0" encoding="utf-8"?>
+<file path=ppt/slides/slide17.xml><?xml version="1.0" encoding="utf-8"?>
 <p:sld xmlns:a="http://schemas.openxmlformats.org/drawingml/2006/main" xmlns:r="http://schemas.openxmlformats.org/officeDocument/2006/relationships" xmlns:p="http://schemas.openxmlformats.org/presentationml/2006/main">
   <p:cSld>
     <p:spTree>
@@ -5995,7 +6389,7 @@
           <a:p>
             <a:fld id="{D12AA694-00EB-4F4B-AABB-6F50FB178914}" type="slidenum">
               <a:rPr lang="en-US" smtClean="0"/>
-              <a:t>12</a:t>
+              <a:t>17</a:t>
             </a:fld>
             <a:endParaRPr lang="en-US"/>
           </a:p>
@@ -6010,7 +6404,7 @@
         <p:spPr>
           <a:xfrm>
             <a:off x="908304" y="1851398"/>
-            <a:ext cx="5990038" cy="369332"/>
+            <a:ext cx="4393703" cy="369332"/>
           </a:xfrm>
           <a:prstGeom prst="rect">
             <a:avLst/>
@@ -6025,7 +6419,7 @@
           <a:p>
             <a:r>
               <a:rPr lang="fr-FR" dirty="0" smtClean="0"/>
-              <a:t>Module de test : Visualiser les résultats (Appel du classement)</a:t>
+              <a:t>Visualiser les résultats (Appel du classement)</a:t>
             </a:r>
             <a:endParaRPr lang="fr-FR" dirty="0"/>
           </a:p>
@@ -6033,22 +6427,52 @@
       </p:sp>
       <p:pic>
         <p:nvPicPr>
-          <p:cNvPr id="6" name="Image 5"/>
+          <p:cNvPr id="9" name="Image 8"/>
           <p:cNvPicPr>
             <a:picLocks noChangeAspect="1"/>
           </p:cNvPicPr>
           <p:nvPr/>
         </p:nvPicPr>
         <p:blipFill>
-          <a:blip r:embed="rId2"/>
+          <a:blip r:embed="rId3" cstate="email">
+            <a:extLst>
+              <a:ext uri="{28A0092B-C50C-407E-A947-70E740481C1C}">
+                <a14:useLocalDpi xmlns:a14="http://schemas.microsoft.com/office/drawing/2010/main" val="0"/>
+              </a:ext>
+            </a:extLst>
+          </a:blip>
           <a:stretch>
             <a:fillRect/>
           </a:stretch>
         </p:blipFill>
         <p:spPr>
           <a:xfrm>
-            <a:off x="453435" y="2679001"/>
-            <a:ext cx="8477921" cy="2246567"/>
+            <a:off x="7400559" y="0"/>
+            <a:ext cx="1743441" cy="1743441"/>
+          </a:xfrm>
+          <a:prstGeom prst="rect">
+            <a:avLst/>
+          </a:prstGeom>
+        </p:spPr>
+      </p:pic>
+      <p:pic>
+        <p:nvPicPr>
+          <p:cNvPr id="7" name="Image 6"/>
+          <p:cNvPicPr>
+            <a:picLocks noChangeAspect="1"/>
+          </p:cNvPicPr>
+          <p:nvPr/>
+        </p:nvPicPr>
+        <p:blipFill>
+          <a:blip r:embed="rId4"/>
+          <a:stretch>
+            <a:fillRect/>
+          </a:stretch>
+        </p:blipFill>
+        <p:spPr>
+          <a:xfrm>
+            <a:off x="529052" y="2334767"/>
+            <a:ext cx="8142911" cy="3844476"/>
           </a:xfrm>
           <a:prstGeom prst="rect">
             <a:avLst/>
@@ -6065,10 +6489,17 @@
   <p:clrMapOvr>
     <a:masterClrMapping/>
   </p:clrMapOvr>
+  <p:timing>
+    <p:tnLst>
+      <p:par>
+        <p:cTn id="1" dur="indefinite" restart="never" nodeType="tmRoot"/>
+      </p:par>
+    </p:tnLst>
+  </p:timing>
 </p:sld>
 </file>
 
-<file path=ppt/slides/slide13.xml><?xml version="1.0" encoding="utf-8"?>
+<file path=ppt/slides/slide18.xml><?xml version="1.0" encoding="utf-8"?>
 <p:sld xmlns:a="http://schemas.openxmlformats.org/drawingml/2006/main" xmlns:r="http://schemas.openxmlformats.org/officeDocument/2006/relationships" xmlns:p="http://schemas.openxmlformats.org/presentationml/2006/main">
   <p:cSld>
     <p:spTree>
@@ -6144,60 +6575,60 @@
           <a:p>
             <a:fld id="{D12AA694-00EB-4F4B-AABB-6F50FB178914}" type="slidenum">
               <a:rPr lang="en-US" smtClean="0"/>
-              <a:t>13</a:t>
+              <a:t>18</a:t>
             </a:fld>
             <a:endParaRPr lang="en-US"/>
           </a:p>
         </p:txBody>
       </p:sp>
-      <p:sp>
-        <p:nvSpPr>
-          <p:cNvPr id="3" name="ZoneTexte 2"/>
-          <p:cNvSpPr txBox="1"/>
-          <p:nvPr/>
-        </p:nvSpPr>
-        <p:spPr>
-          <a:xfrm>
-            <a:off x="908304" y="1851398"/>
-            <a:ext cx="6242991" cy="369332"/>
-          </a:xfrm>
-          <a:prstGeom prst="rect">
-            <a:avLst/>
-          </a:prstGeom>
-          <a:noFill/>
-        </p:spPr>
-        <p:txBody>
-          <a:bodyPr wrap="none" rtlCol="0">
-            <a:spAutoFit/>
-          </a:bodyPr>
-          <a:lstStyle/>
-          <a:p>
-            <a:r>
-              <a:rPr lang="fr-FR" dirty="0" smtClean="0"/>
-              <a:t>Module de test : Visualiser les résultats (Création du classement)</a:t>
-            </a:r>
-            <a:endParaRPr lang="fr-FR" dirty="0"/>
-          </a:p>
-        </p:txBody>
-      </p:sp>
       <p:pic>
         <p:nvPicPr>
-          <p:cNvPr id="7" name="Image 6"/>
+          <p:cNvPr id="9" name="Image 8"/>
           <p:cNvPicPr>
             <a:picLocks noChangeAspect="1"/>
           </p:cNvPicPr>
           <p:nvPr/>
         </p:nvPicPr>
         <p:blipFill>
-          <a:blip r:embed="rId2"/>
+          <a:blip r:embed="rId2" cstate="email">
+            <a:extLst>
+              <a:ext uri="{28A0092B-C50C-407E-A947-70E740481C1C}">
+                <a14:useLocalDpi xmlns:a14="http://schemas.microsoft.com/office/drawing/2010/main" val="0"/>
+              </a:ext>
+            </a:extLst>
+          </a:blip>
           <a:stretch>
             <a:fillRect/>
           </a:stretch>
         </p:blipFill>
         <p:spPr>
           <a:xfrm>
-            <a:off x="1018786" y="2695194"/>
-            <a:ext cx="7255651" cy="2084070"/>
+            <a:off x="7400559" y="0"/>
+            <a:ext cx="1743441" cy="1743441"/>
+          </a:xfrm>
+          <a:prstGeom prst="rect">
+            <a:avLst/>
+          </a:prstGeom>
+        </p:spPr>
+      </p:pic>
+      <p:pic>
+        <p:nvPicPr>
+          <p:cNvPr id="6" name="Image 5"/>
+          <p:cNvPicPr>
+            <a:picLocks noChangeAspect="1"/>
+          </p:cNvPicPr>
+          <p:nvPr/>
+        </p:nvPicPr>
+        <p:blipFill>
+          <a:blip r:embed="rId3"/>
+          <a:stretch>
+            <a:fillRect/>
+          </a:stretch>
+        </p:blipFill>
+        <p:spPr>
+          <a:xfrm>
+            <a:off x="1827646" y="1846437"/>
+            <a:ext cx="5534428" cy="4435301"/>
           </a:xfrm>
           <a:prstGeom prst="rect">
             <a:avLst/>
@@ -6207,17 +6638,24 @@
     </p:spTree>
     <p:extLst>
       <p:ext uri="{BB962C8B-B14F-4D97-AF65-F5344CB8AC3E}">
-        <p14:creationId xmlns:p14="http://schemas.microsoft.com/office/powerpoint/2010/main" val="4219837919"/>
+        <p14:creationId xmlns:p14="http://schemas.microsoft.com/office/powerpoint/2010/main" val="2530924858"/>
       </p:ext>
     </p:extLst>
   </p:cSld>
   <p:clrMapOvr>
     <a:masterClrMapping/>
   </p:clrMapOvr>
+  <p:timing>
+    <p:tnLst>
+      <p:par>
+        <p:cTn id="1" dur="indefinite" restart="never" nodeType="tmRoot"/>
+      </p:par>
+    </p:tnLst>
+  </p:timing>
 </p:sld>
 </file>
 
-<file path=ppt/slides/slide14.xml><?xml version="1.0" encoding="utf-8"?>
+<file path=ppt/slides/slide19.xml><?xml version="1.0" encoding="utf-8"?>
 <p:sld xmlns:a="http://schemas.openxmlformats.org/drawingml/2006/main" xmlns:r="http://schemas.openxmlformats.org/officeDocument/2006/relationships" xmlns:p="http://schemas.openxmlformats.org/presentationml/2006/main">
   <p:cSld>
     <p:spTree>
@@ -6293,76 +6731,136 @@
           <a:p>
             <a:fld id="{D12AA694-00EB-4F4B-AABB-6F50FB178914}" type="slidenum">
               <a:rPr lang="en-US" smtClean="0"/>
-              <a:t>14</a:t>
+              <a:t>19</a:t>
             </a:fld>
             <a:endParaRPr lang="en-US"/>
           </a:p>
         </p:txBody>
       </p:sp>
-      <p:sp>
-        <p:nvSpPr>
-          <p:cNvPr id="3" name="ZoneTexte 2"/>
-          <p:cNvSpPr txBox="1"/>
-          <p:nvPr/>
-        </p:nvSpPr>
-        <p:spPr>
-          <a:xfrm>
-            <a:off x="908304" y="1851398"/>
-            <a:ext cx="6519542" cy="369332"/>
-          </a:xfrm>
-          <a:prstGeom prst="rect">
-            <a:avLst/>
-          </a:prstGeom>
-          <a:noFill/>
-        </p:spPr>
-        <p:txBody>
-          <a:bodyPr wrap="none" rtlCol="0">
-            <a:spAutoFit/>
-          </a:bodyPr>
-          <a:lstStyle/>
-          <a:p>
-            <a:r>
-              <a:rPr lang="fr-FR" dirty="0" smtClean="0"/>
-              <a:t>Module de test : Visualiser les résultats (Appel en base de données)</a:t>
-            </a:r>
-            <a:endParaRPr lang="fr-FR" dirty="0"/>
-          </a:p>
-        </p:txBody>
-      </p:sp>
       <p:pic>
         <p:nvPicPr>
-          <p:cNvPr id="6" name="Image 5"/>
+          <p:cNvPr id="9" name="Image 8"/>
           <p:cNvPicPr>
             <a:picLocks noChangeAspect="1"/>
           </p:cNvPicPr>
           <p:nvPr/>
         </p:nvPicPr>
         <p:blipFill>
-          <a:blip r:embed="rId2"/>
+          <a:blip r:embed="rId2" cstate="email">
+            <a:extLst>
+              <a:ext uri="{28A0092B-C50C-407E-A947-70E740481C1C}">
+                <a14:useLocalDpi xmlns:a14="http://schemas.microsoft.com/office/drawing/2010/main" val="0"/>
+              </a:ext>
+            </a:extLst>
+          </a:blip>
           <a:stretch>
             <a:fillRect/>
           </a:stretch>
         </p:blipFill>
         <p:spPr>
           <a:xfrm>
-            <a:off x="1069181" y="2190763"/>
-            <a:ext cx="7051358" cy="4115244"/>
+            <a:off x="7400559" y="0"/>
+            <a:ext cx="1743441" cy="1743441"/>
           </a:xfrm>
           <a:prstGeom prst="rect">
             <a:avLst/>
           </a:prstGeom>
         </p:spPr>
       </p:pic>
+      <p:pic>
+        <p:nvPicPr>
+          <p:cNvPr id="3" name="Image 2"/>
+          <p:cNvPicPr>
+            <a:picLocks noChangeAspect="1"/>
+          </p:cNvPicPr>
+          <p:nvPr/>
+        </p:nvPicPr>
+        <p:blipFill>
+          <a:blip r:embed="rId3"/>
+          <a:stretch>
+            <a:fillRect/>
+          </a:stretch>
+        </p:blipFill>
+        <p:spPr>
+          <a:xfrm>
+            <a:off x="728479" y="921529"/>
+            <a:ext cx="7543800" cy="1591627"/>
+          </a:xfrm>
+          <a:prstGeom prst="rect">
+            <a:avLst/>
+          </a:prstGeom>
+        </p:spPr>
+      </p:pic>
+      <p:pic>
+        <p:nvPicPr>
+          <p:cNvPr id="8" name="Image 7"/>
+          <p:cNvPicPr>
+            <a:picLocks noChangeAspect="1"/>
+          </p:cNvPicPr>
+          <p:nvPr/>
+        </p:nvPicPr>
+        <p:blipFill>
+          <a:blip r:embed="rId4"/>
+          <a:stretch>
+            <a:fillRect/>
+          </a:stretch>
+        </p:blipFill>
+        <p:spPr>
+          <a:xfrm>
+            <a:off x="1817396" y="2603609"/>
+            <a:ext cx="5365965" cy="3675271"/>
+          </a:xfrm>
+          <a:prstGeom prst="rect">
+            <a:avLst/>
+          </a:prstGeom>
+        </p:spPr>
+      </p:pic>
+      <p:sp>
+        <p:nvSpPr>
+          <p:cNvPr id="7" name="Rectangle 6"/>
+          <p:cNvSpPr/>
+          <p:nvPr/>
+        </p:nvSpPr>
+        <p:spPr>
+          <a:xfrm>
+            <a:off x="-143243" y="297547"/>
+            <a:ext cx="5647227" cy="369332"/>
+          </a:xfrm>
+          <a:prstGeom prst="rect">
+            <a:avLst/>
+          </a:prstGeom>
+        </p:spPr>
+        <p:txBody>
+          <a:bodyPr wrap="square">
+            <a:spAutoFit/>
+          </a:bodyPr>
+          <a:lstStyle/>
+          <a:p>
+            <a:pPr lvl="2"/>
+            <a:r>
+              <a:rPr lang="fr-FR" dirty="0"/>
+              <a:t>Affichage AJAX d’une course en temps réel</a:t>
+            </a:r>
+          </a:p>
+        </p:txBody>
+      </p:sp>
     </p:spTree>
     <p:extLst>
       <p:ext uri="{BB962C8B-B14F-4D97-AF65-F5344CB8AC3E}">
-        <p14:creationId xmlns:p14="http://schemas.microsoft.com/office/powerpoint/2010/main" val="2306224450"/>
+        <p14:creationId xmlns:p14="http://schemas.microsoft.com/office/powerpoint/2010/main" val="2584833616"/>
       </p:ext>
     </p:extLst>
   </p:cSld>
   <p:clrMapOvr>
     <a:masterClrMapping/>
   </p:clrMapOvr>
+  <p:timing>
+    <p:tnLst>
+      <p:par>
+        <p:cTn id="1" dur="indefinite" restart="never" nodeType="tmRoot"/>
+      </p:par>
+    </p:tnLst>
+  </p:timing>
 </p:sld>
 </file>
 
@@ -6439,6 +6937,25 @@
             <a:pPr lvl="2"/>
             <a:r>
               <a:rPr lang="fr-FR" dirty="0" smtClean="0"/>
+              <a:t>- Choix </a:t>
+            </a:r>
+            <a:r>
+              <a:rPr lang="fr-FR" dirty="0" smtClean="0"/>
+              <a:t>logiciel</a:t>
+            </a:r>
+          </a:p>
+          <a:p>
+            <a:pPr lvl="2"/>
+            <a:r>
+              <a:rPr lang="fr-FR" dirty="0" smtClean="0"/>
+              <a:t>- Coût estimé</a:t>
+            </a:r>
+            <a:endParaRPr lang="fr-FR" dirty="0" smtClean="0"/>
+          </a:p>
+          <a:p>
+            <a:pPr lvl="2"/>
+            <a:r>
+              <a:rPr lang="fr-FR" dirty="0" smtClean="0"/>
               <a:t>- Organisation / Travail d’équipe</a:t>
             </a:r>
           </a:p>
@@ -6465,58 +6982,77 @@
             </a:r>
             <a:r>
               <a:rPr lang="fr-FR" dirty="0" smtClean="0"/>
-              <a:t>Module de Test 1 + test </a:t>
+              <a:t>Module 1 : Visualisation d’une donnée AJAX</a:t>
+            </a:r>
+          </a:p>
+          <a:p>
+            <a:pPr lvl="2"/>
+            <a:r>
+              <a:rPr lang="fr-FR" dirty="0" smtClean="0">
+                <a:solidFill>
+                  <a:srgbClr val="FF0000"/>
+                </a:solidFill>
+              </a:rPr>
+              <a:t>- </a:t>
+            </a:r>
+            <a:r>
+              <a:rPr lang="fr-FR" dirty="0" smtClean="0">
+                <a:solidFill>
+                  <a:schemeClr val="tx1"/>
+                </a:solidFill>
+              </a:rPr>
+              <a:t>Module 2 : Affichage AJAX d’une course en temps réel</a:t>
+            </a:r>
+          </a:p>
+          <a:p>
+            <a:pPr lvl="2"/>
+            <a:r>
+              <a:rPr lang="fr-FR" dirty="0" smtClean="0"/>
+              <a:t>- Module 3 : Classes BDD pour étudiants 1, 2 et 3</a:t>
             </a:r>
             <a:endParaRPr lang="fr-FR" dirty="0"/>
           </a:p>
           <a:p>
+            <a:pPr lvl="2"/>
             <a:r>
               <a:rPr lang="fr-FR" dirty="0" smtClean="0"/>
-              <a:t>Troisième </a:t>
+              <a:t>- Module 4 : </a:t>
+            </a:r>
+            <a:r>
+              <a:rPr lang="fr-FR" dirty="0"/>
+              <a:t>Import des données locales d’une course </a:t>
             </a:r>
             <a:r>
               <a:rPr lang="fr-FR" dirty="0" smtClean="0"/>
-              <a:t>partie </a:t>
-            </a:r>
-            <a:endParaRPr lang="fr-FR" dirty="0"/>
+              <a:t>depuis </a:t>
+            </a:r>
+            <a:r>
+              <a:rPr lang="fr-FR" dirty="0"/>
+              <a:t>la </a:t>
+            </a:r>
+            <a:r>
+              <a:rPr lang="fr-FR" dirty="0" smtClean="0"/>
+              <a:t>BDD</a:t>
+            </a:r>
           </a:p>
           <a:p>
             <a:pPr lvl="2"/>
             <a:r>
+              <a:rPr lang="fr-FR" dirty="0" smtClean="0"/>
+              <a:t>- </a:t>
+            </a:r>
+            <a:r>
               <a:rPr lang="fr-FR" dirty="0"/>
-              <a:t>- </a:t>
+              <a:t>Module </a:t>
             </a:r>
             <a:r>
               <a:rPr lang="fr-FR" dirty="0" smtClean="0"/>
-              <a:t>Avancement</a:t>
-            </a:r>
-          </a:p>
-          <a:p>
-            <a:pPr lvl="2"/>
-            <a:r>
-              <a:rPr lang="fr-FR" dirty="0" smtClean="0"/>
-              <a:t>- Etude physique ( voir avec M. </a:t>
-            </a:r>
-            <a:r>
-              <a:rPr lang="fr-FR" dirty="0" err="1" smtClean="0"/>
-              <a:t>grout</a:t>
-            </a:r>
-            <a:r>
-              <a:rPr lang="fr-FR" dirty="0" smtClean="0"/>
-              <a:t>)</a:t>
-            </a:r>
-            <a:endParaRPr lang="fr-FR" dirty="0"/>
-          </a:p>
-          <a:p>
-            <a:pPr marL="806450" lvl="2" indent="0">
-              <a:buNone/>
-            </a:pPr>
-            <a:endParaRPr lang="fr-FR" dirty="0"/>
-          </a:p>
-          <a:p>
-            <a:pPr marL="806450" lvl="2" indent="0">
-              <a:buNone/>
-            </a:pPr>
+              <a:t>5 : Bouton </a:t>
+            </a:r>
+            <a:r>
+              <a:rPr lang="fr-FR" dirty="0"/>
+              <a:t>sur le C++ qui permet de changer l’affichage en temps réel</a:t>
+            </a:r>
             <a:endParaRPr lang="fr-FR" dirty="0" smtClean="0"/>
           </a:p>
         </p:txBody>
@@ -6563,6 +7099,36 @@
           </a:p>
         </p:txBody>
       </p:sp>
+      <p:pic>
+        <p:nvPicPr>
+          <p:cNvPr id="6" name="Image 5"/>
+          <p:cNvPicPr>
+            <a:picLocks noChangeAspect="1"/>
+          </p:cNvPicPr>
+          <p:nvPr/>
+        </p:nvPicPr>
+        <p:blipFill>
+          <a:blip r:embed="rId2" cstate="email">
+            <a:extLst>
+              <a:ext uri="{28A0092B-C50C-407E-A947-70E740481C1C}">
+                <a14:useLocalDpi xmlns:a14="http://schemas.microsoft.com/office/drawing/2010/main" val="0"/>
+              </a:ext>
+            </a:extLst>
+          </a:blip>
+          <a:stretch>
+            <a:fillRect/>
+          </a:stretch>
+        </p:blipFill>
+        <p:spPr>
+          <a:xfrm>
+            <a:off x="7400559" y="48106"/>
+            <a:ext cx="1743441" cy="1743441"/>
+          </a:xfrm>
+          <a:prstGeom prst="rect">
+            <a:avLst/>
+          </a:prstGeom>
+        </p:spPr>
+      </p:pic>
     </p:spTree>
     <p:extLst>
       <p:ext uri="{BB962C8B-B14F-4D97-AF65-F5344CB8AC3E}">
@@ -6573,6 +7139,1005 @@
   <p:clrMapOvr>
     <a:masterClrMapping/>
   </p:clrMapOvr>
+  <p:timing>
+    <p:tnLst>
+      <p:par>
+        <p:cTn id="1" dur="indefinite" restart="never" nodeType="tmRoot"/>
+      </p:par>
+    </p:tnLst>
+  </p:timing>
+</p:sld>
+</file>
+
+<file path=ppt/slides/slide20.xml><?xml version="1.0" encoding="utf-8"?>
+<p:sld xmlns:a="http://schemas.openxmlformats.org/drawingml/2006/main" xmlns:r="http://schemas.openxmlformats.org/officeDocument/2006/relationships" xmlns:p="http://schemas.openxmlformats.org/presentationml/2006/main">
+  <p:cSld>
+    <p:spTree>
+      <p:nvGrpSpPr>
+        <p:cNvPr id="1" name=""/>
+        <p:cNvGrpSpPr/>
+        <p:nvPr/>
+      </p:nvGrpSpPr>
+      <p:grpSpPr>
+        <a:xfrm>
+          <a:off x="0" y="0"/>
+          <a:ext cx="0" cy="0"/>
+          <a:chOff x="0" y="0"/>
+          <a:chExt cx="0" cy="0"/>
+        </a:xfrm>
+      </p:grpSpPr>
+      <p:sp>
+        <p:nvSpPr>
+          <p:cNvPr id="2" name="Titre 1"/>
+          <p:cNvSpPr>
+            <a:spLocks noGrp="1"/>
+          </p:cNvSpPr>
+          <p:nvPr>
+            <p:ph type="title"/>
+          </p:nvPr>
+        </p:nvSpPr>
+        <p:spPr/>
+        <p:txBody>
+          <a:bodyPr/>
+          <a:lstStyle/>
+          <a:p>
+            <a:r>
+              <a:rPr lang="fr-FR" dirty="0" smtClean="0"/>
+              <a:t>PARTIE 2</a:t>
+            </a:r>
+            <a:endParaRPr lang="fr-FR" dirty="0"/>
+          </a:p>
+        </p:txBody>
+      </p:sp>
+      <p:sp>
+        <p:nvSpPr>
+          <p:cNvPr id="4" name="Espace réservé du pied de page 3"/>
+          <p:cNvSpPr>
+            <a:spLocks noGrp="1"/>
+          </p:cNvSpPr>
+          <p:nvPr>
+            <p:ph type="ftr" sz="quarter" idx="11"/>
+          </p:nvPr>
+        </p:nvSpPr>
+        <p:spPr/>
+        <p:txBody>
+          <a:bodyPr/>
+          <a:lstStyle/>
+          <a:p>
+            <a:endParaRPr lang="en-US"/>
+          </a:p>
+        </p:txBody>
+      </p:sp>
+      <p:sp>
+        <p:nvSpPr>
+          <p:cNvPr id="5" name="Espace réservé du numéro de diapositive 4"/>
+          <p:cNvSpPr>
+            <a:spLocks noGrp="1"/>
+          </p:cNvSpPr>
+          <p:nvPr>
+            <p:ph type="sldNum" sz="quarter" idx="12"/>
+          </p:nvPr>
+        </p:nvSpPr>
+        <p:spPr/>
+        <p:txBody>
+          <a:bodyPr/>
+          <a:lstStyle/>
+          <a:p>
+            <a:fld id="{D12AA694-00EB-4F4B-AABB-6F50FB178914}" type="slidenum">
+              <a:rPr lang="en-US" smtClean="0"/>
+              <a:t>20</a:t>
+            </a:fld>
+            <a:endParaRPr lang="en-US"/>
+          </a:p>
+        </p:txBody>
+      </p:sp>
+      <p:pic>
+        <p:nvPicPr>
+          <p:cNvPr id="8" name="Image 7"/>
+          <p:cNvPicPr>
+            <a:picLocks noChangeAspect="1"/>
+          </p:cNvPicPr>
+          <p:nvPr/>
+        </p:nvPicPr>
+        <p:blipFill>
+          <a:blip r:embed="rId2" cstate="email">
+            <a:extLst>
+              <a:ext uri="{28A0092B-C50C-407E-A947-70E740481C1C}">
+                <a14:useLocalDpi xmlns:a14="http://schemas.microsoft.com/office/drawing/2010/main" val="0"/>
+              </a:ext>
+            </a:extLst>
+          </a:blip>
+          <a:stretch>
+            <a:fillRect/>
+          </a:stretch>
+        </p:blipFill>
+        <p:spPr>
+          <a:xfrm>
+            <a:off x="7400559" y="0"/>
+            <a:ext cx="1743441" cy="1743441"/>
+          </a:xfrm>
+          <a:prstGeom prst="rect">
+            <a:avLst/>
+          </a:prstGeom>
+        </p:spPr>
+      </p:pic>
+      <p:pic>
+        <p:nvPicPr>
+          <p:cNvPr id="7" name="Image 6"/>
+          <p:cNvPicPr>
+            <a:picLocks noChangeAspect="1"/>
+          </p:cNvPicPr>
+          <p:nvPr/>
+        </p:nvPicPr>
+        <p:blipFill>
+          <a:blip r:embed="rId3"/>
+          <a:stretch>
+            <a:fillRect/>
+          </a:stretch>
+        </p:blipFill>
+        <p:spPr>
+          <a:xfrm>
+            <a:off x="172981" y="2023965"/>
+            <a:ext cx="8852017" cy="4200305"/>
+          </a:xfrm>
+          <a:prstGeom prst="rect">
+            <a:avLst/>
+          </a:prstGeom>
+        </p:spPr>
+      </p:pic>
+      <p:sp>
+        <p:nvSpPr>
+          <p:cNvPr id="9" name="ZoneTexte 8"/>
+          <p:cNvSpPr txBox="1"/>
+          <p:nvPr/>
+        </p:nvSpPr>
+        <p:spPr>
+          <a:xfrm>
+            <a:off x="-100233" y="1695997"/>
+            <a:ext cx="6300058" cy="369332"/>
+          </a:xfrm>
+          <a:prstGeom prst="rect">
+            <a:avLst/>
+          </a:prstGeom>
+          <a:noFill/>
+        </p:spPr>
+        <p:txBody>
+          <a:bodyPr wrap="none" rtlCol="0">
+            <a:spAutoFit/>
+          </a:bodyPr>
+          <a:lstStyle/>
+          <a:p>
+            <a:pPr lvl="2"/>
+            <a:r>
+              <a:rPr lang="fr-FR" dirty="0"/>
+              <a:t>Import des données locales d’une course </a:t>
+            </a:r>
+            <a:r>
+              <a:rPr lang="fr-FR" dirty="0" smtClean="0"/>
+              <a:t>depuis </a:t>
+            </a:r>
+            <a:r>
+              <a:rPr lang="fr-FR" dirty="0"/>
+              <a:t>la BDD</a:t>
+            </a:r>
+          </a:p>
+        </p:txBody>
+      </p:sp>
+    </p:spTree>
+    <p:extLst>
+      <p:ext uri="{BB962C8B-B14F-4D97-AF65-F5344CB8AC3E}">
+        <p14:creationId xmlns:p14="http://schemas.microsoft.com/office/powerpoint/2010/main" val="2306224450"/>
+      </p:ext>
+    </p:extLst>
+  </p:cSld>
+  <p:clrMapOvr>
+    <a:masterClrMapping/>
+  </p:clrMapOvr>
+  <p:timing>
+    <p:tnLst>
+      <p:par>
+        <p:cTn id="1" dur="indefinite" restart="never" nodeType="tmRoot"/>
+      </p:par>
+    </p:tnLst>
+  </p:timing>
+</p:sld>
+</file>
+
+<file path=ppt/slides/slide21.xml><?xml version="1.0" encoding="utf-8"?>
+<p:sld xmlns:a="http://schemas.openxmlformats.org/drawingml/2006/main" xmlns:r="http://schemas.openxmlformats.org/officeDocument/2006/relationships" xmlns:p="http://schemas.openxmlformats.org/presentationml/2006/main">
+  <p:cSld>
+    <p:spTree>
+      <p:nvGrpSpPr>
+        <p:cNvPr id="1" name=""/>
+        <p:cNvGrpSpPr/>
+        <p:nvPr/>
+      </p:nvGrpSpPr>
+      <p:grpSpPr>
+        <a:xfrm>
+          <a:off x="0" y="0"/>
+          <a:ext cx="0" cy="0"/>
+          <a:chOff x="0" y="0"/>
+          <a:chExt cx="0" cy="0"/>
+        </a:xfrm>
+      </p:grpSpPr>
+      <p:sp>
+        <p:nvSpPr>
+          <p:cNvPr id="2" name="Titre 1"/>
+          <p:cNvSpPr>
+            <a:spLocks noGrp="1"/>
+          </p:cNvSpPr>
+          <p:nvPr>
+            <p:ph type="title"/>
+          </p:nvPr>
+        </p:nvSpPr>
+        <p:spPr/>
+        <p:txBody>
+          <a:bodyPr/>
+          <a:lstStyle/>
+          <a:p>
+            <a:r>
+              <a:rPr lang="fr-FR" dirty="0" smtClean="0"/>
+              <a:t>PARTIE 2</a:t>
+            </a:r>
+            <a:endParaRPr lang="fr-FR" dirty="0"/>
+          </a:p>
+        </p:txBody>
+      </p:sp>
+      <p:sp>
+        <p:nvSpPr>
+          <p:cNvPr id="4" name="Espace réservé du pied de page 3"/>
+          <p:cNvSpPr>
+            <a:spLocks noGrp="1"/>
+          </p:cNvSpPr>
+          <p:nvPr>
+            <p:ph type="ftr" sz="quarter" idx="11"/>
+          </p:nvPr>
+        </p:nvSpPr>
+        <p:spPr/>
+        <p:txBody>
+          <a:bodyPr/>
+          <a:lstStyle/>
+          <a:p>
+            <a:endParaRPr lang="en-US"/>
+          </a:p>
+        </p:txBody>
+      </p:sp>
+      <p:sp>
+        <p:nvSpPr>
+          <p:cNvPr id="5" name="Espace réservé du numéro de diapositive 4"/>
+          <p:cNvSpPr>
+            <a:spLocks noGrp="1"/>
+          </p:cNvSpPr>
+          <p:nvPr>
+            <p:ph type="sldNum" sz="quarter" idx="12"/>
+          </p:nvPr>
+        </p:nvSpPr>
+        <p:spPr/>
+        <p:txBody>
+          <a:bodyPr/>
+          <a:lstStyle/>
+          <a:p>
+            <a:fld id="{D12AA694-00EB-4F4B-AABB-6F50FB178914}" type="slidenum">
+              <a:rPr lang="en-US" smtClean="0"/>
+              <a:t>21</a:t>
+            </a:fld>
+            <a:endParaRPr lang="en-US"/>
+          </a:p>
+        </p:txBody>
+      </p:sp>
+      <p:pic>
+        <p:nvPicPr>
+          <p:cNvPr id="8" name="Image 7"/>
+          <p:cNvPicPr>
+            <a:picLocks noChangeAspect="1"/>
+          </p:cNvPicPr>
+          <p:nvPr/>
+        </p:nvPicPr>
+        <p:blipFill>
+          <a:blip r:embed="rId2" cstate="email">
+            <a:extLst>
+              <a:ext uri="{28A0092B-C50C-407E-A947-70E740481C1C}">
+                <a14:useLocalDpi xmlns:a14="http://schemas.microsoft.com/office/drawing/2010/main" val="0"/>
+              </a:ext>
+            </a:extLst>
+          </a:blip>
+          <a:stretch>
+            <a:fillRect/>
+          </a:stretch>
+        </p:blipFill>
+        <p:spPr>
+          <a:xfrm>
+            <a:off x="7400559" y="0"/>
+            <a:ext cx="1743441" cy="1743441"/>
+          </a:xfrm>
+          <a:prstGeom prst="rect">
+            <a:avLst/>
+          </a:prstGeom>
+        </p:spPr>
+      </p:pic>
+      <p:sp>
+        <p:nvSpPr>
+          <p:cNvPr id="10" name="ZoneTexte 9"/>
+          <p:cNvSpPr txBox="1"/>
+          <p:nvPr/>
+        </p:nvSpPr>
+        <p:spPr>
+          <a:xfrm>
+            <a:off x="908304" y="1851398"/>
+            <a:ext cx="1319592" cy="369332"/>
+          </a:xfrm>
+          <a:prstGeom prst="rect">
+            <a:avLst/>
+          </a:prstGeom>
+          <a:noFill/>
+        </p:spPr>
+        <p:txBody>
+          <a:bodyPr wrap="none" rtlCol="0">
+            <a:spAutoFit/>
+          </a:bodyPr>
+          <a:lstStyle/>
+          <a:p>
+            <a:r>
+              <a:rPr lang="fr-FR" dirty="0" smtClean="0"/>
+              <a:t>Classes BDD</a:t>
+            </a:r>
+            <a:endParaRPr lang="fr-FR" dirty="0"/>
+          </a:p>
+        </p:txBody>
+      </p:sp>
+      <p:pic>
+        <p:nvPicPr>
+          <p:cNvPr id="13" name="Image 12"/>
+          <p:cNvPicPr>
+            <a:picLocks noChangeAspect="1"/>
+          </p:cNvPicPr>
+          <p:nvPr/>
+        </p:nvPicPr>
+        <p:blipFill>
+          <a:blip r:embed="rId3">
+            <a:extLst>
+              <a:ext uri="{28A0092B-C50C-407E-A947-70E740481C1C}">
+                <a14:useLocalDpi xmlns:a14="http://schemas.microsoft.com/office/drawing/2010/main" val="0"/>
+              </a:ext>
+            </a:extLst>
+          </a:blip>
+          <a:stretch>
+            <a:fillRect/>
+          </a:stretch>
+        </p:blipFill>
+        <p:spPr>
+          <a:xfrm>
+            <a:off x="1030988" y="2186869"/>
+            <a:ext cx="7127744" cy="4132656"/>
+          </a:xfrm>
+          <a:prstGeom prst="rect">
+            <a:avLst/>
+          </a:prstGeom>
+        </p:spPr>
+      </p:pic>
+    </p:spTree>
+    <p:extLst>
+      <p:ext uri="{BB962C8B-B14F-4D97-AF65-F5344CB8AC3E}">
+        <p14:creationId xmlns:p14="http://schemas.microsoft.com/office/powerpoint/2010/main" val="4219837919"/>
+      </p:ext>
+    </p:extLst>
+  </p:cSld>
+  <p:clrMapOvr>
+    <a:masterClrMapping/>
+  </p:clrMapOvr>
+  <p:timing>
+    <p:tnLst>
+      <p:par>
+        <p:cTn id="1" dur="indefinite" restart="never" nodeType="tmRoot"/>
+      </p:par>
+    </p:tnLst>
+  </p:timing>
+</p:sld>
+</file>
+
+<file path=ppt/slides/slide22.xml><?xml version="1.0" encoding="utf-8"?>
+<p:sld xmlns:a="http://schemas.openxmlformats.org/drawingml/2006/main" xmlns:r="http://schemas.openxmlformats.org/officeDocument/2006/relationships" xmlns:p="http://schemas.openxmlformats.org/presentationml/2006/main">
+  <p:cSld>
+    <p:spTree>
+      <p:nvGrpSpPr>
+        <p:cNvPr id="1" name=""/>
+        <p:cNvGrpSpPr/>
+        <p:nvPr/>
+      </p:nvGrpSpPr>
+      <p:grpSpPr>
+        <a:xfrm>
+          <a:off x="0" y="0"/>
+          <a:ext cx="0" cy="0"/>
+          <a:chOff x="0" y="0"/>
+          <a:chExt cx="0" cy="0"/>
+        </a:xfrm>
+      </p:grpSpPr>
+      <p:sp>
+        <p:nvSpPr>
+          <p:cNvPr id="2" name="Titre 1"/>
+          <p:cNvSpPr>
+            <a:spLocks noGrp="1"/>
+          </p:cNvSpPr>
+          <p:nvPr>
+            <p:ph type="title"/>
+          </p:nvPr>
+        </p:nvSpPr>
+        <p:spPr/>
+        <p:txBody>
+          <a:bodyPr/>
+          <a:lstStyle/>
+          <a:p>
+            <a:r>
+              <a:rPr lang="fr-FR" dirty="0" smtClean="0"/>
+              <a:t>PARTIE 2</a:t>
+            </a:r>
+            <a:endParaRPr lang="fr-FR" dirty="0"/>
+          </a:p>
+        </p:txBody>
+      </p:sp>
+      <p:sp>
+        <p:nvSpPr>
+          <p:cNvPr id="4" name="Espace réservé du pied de page 3"/>
+          <p:cNvSpPr>
+            <a:spLocks noGrp="1"/>
+          </p:cNvSpPr>
+          <p:nvPr>
+            <p:ph type="ftr" sz="quarter" idx="11"/>
+          </p:nvPr>
+        </p:nvSpPr>
+        <p:spPr/>
+        <p:txBody>
+          <a:bodyPr/>
+          <a:lstStyle/>
+          <a:p>
+            <a:endParaRPr lang="en-US"/>
+          </a:p>
+        </p:txBody>
+      </p:sp>
+      <p:sp>
+        <p:nvSpPr>
+          <p:cNvPr id="5" name="Espace réservé du numéro de diapositive 4"/>
+          <p:cNvSpPr>
+            <a:spLocks noGrp="1"/>
+          </p:cNvSpPr>
+          <p:nvPr>
+            <p:ph type="sldNum" sz="quarter" idx="12"/>
+          </p:nvPr>
+        </p:nvSpPr>
+        <p:spPr/>
+        <p:txBody>
+          <a:bodyPr/>
+          <a:lstStyle/>
+          <a:p>
+            <a:fld id="{D12AA694-00EB-4F4B-AABB-6F50FB178914}" type="slidenum">
+              <a:rPr lang="en-US" smtClean="0"/>
+              <a:t>22</a:t>
+            </a:fld>
+            <a:endParaRPr lang="en-US"/>
+          </a:p>
+        </p:txBody>
+      </p:sp>
+      <p:pic>
+        <p:nvPicPr>
+          <p:cNvPr id="8" name="Image 7"/>
+          <p:cNvPicPr>
+            <a:picLocks noChangeAspect="1"/>
+          </p:cNvPicPr>
+          <p:nvPr/>
+        </p:nvPicPr>
+        <p:blipFill>
+          <a:blip r:embed="rId2" cstate="email">
+            <a:extLst>
+              <a:ext uri="{28A0092B-C50C-407E-A947-70E740481C1C}">
+                <a14:useLocalDpi xmlns:a14="http://schemas.microsoft.com/office/drawing/2010/main" val="0"/>
+              </a:ext>
+            </a:extLst>
+          </a:blip>
+          <a:stretch>
+            <a:fillRect/>
+          </a:stretch>
+        </p:blipFill>
+        <p:spPr>
+          <a:xfrm>
+            <a:off x="7400559" y="0"/>
+            <a:ext cx="1743441" cy="1743441"/>
+          </a:xfrm>
+          <a:prstGeom prst="rect">
+            <a:avLst/>
+          </a:prstGeom>
+        </p:spPr>
+      </p:pic>
+      <p:pic>
+        <p:nvPicPr>
+          <p:cNvPr id="3" name="Image 2"/>
+          <p:cNvPicPr>
+            <a:picLocks noChangeAspect="1"/>
+          </p:cNvPicPr>
+          <p:nvPr/>
+        </p:nvPicPr>
+        <p:blipFill>
+          <a:blip r:embed="rId3" cstate="email">
+            <a:extLst>
+              <a:ext uri="{28A0092B-C50C-407E-A947-70E740481C1C}">
+                <a14:useLocalDpi xmlns:a14="http://schemas.microsoft.com/office/drawing/2010/main" val="0"/>
+              </a:ext>
+            </a:extLst>
+          </a:blip>
+          <a:stretch>
+            <a:fillRect/>
+          </a:stretch>
+        </p:blipFill>
+        <p:spPr>
+          <a:xfrm>
+            <a:off x="548640" y="1844410"/>
+            <a:ext cx="8083296" cy="4455458"/>
+          </a:xfrm>
+          <a:prstGeom prst="rect">
+            <a:avLst/>
+          </a:prstGeom>
+        </p:spPr>
+      </p:pic>
+    </p:spTree>
+    <p:extLst>
+      <p:ext uri="{BB962C8B-B14F-4D97-AF65-F5344CB8AC3E}">
+        <p14:creationId xmlns:p14="http://schemas.microsoft.com/office/powerpoint/2010/main" val="2708543352"/>
+      </p:ext>
+    </p:extLst>
+  </p:cSld>
+  <p:clrMapOvr>
+    <a:masterClrMapping/>
+  </p:clrMapOvr>
+  <p:timing>
+    <p:tnLst>
+      <p:par>
+        <p:cTn id="1" dur="indefinite" restart="never" nodeType="tmRoot"/>
+      </p:par>
+    </p:tnLst>
+  </p:timing>
+</p:sld>
+</file>
+
+<file path=ppt/slides/slide23.xml><?xml version="1.0" encoding="utf-8"?>
+<p:sld xmlns:a="http://schemas.openxmlformats.org/drawingml/2006/main" xmlns:r="http://schemas.openxmlformats.org/officeDocument/2006/relationships" xmlns:p="http://schemas.openxmlformats.org/presentationml/2006/main">
+  <p:cSld>
+    <p:spTree>
+      <p:nvGrpSpPr>
+        <p:cNvPr id="1" name=""/>
+        <p:cNvGrpSpPr/>
+        <p:nvPr/>
+      </p:nvGrpSpPr>
+      <p:grpSpPr>
+        <a:xfrm>
+          <a:off x="0" y="0"/>
+          <a:ext cx="0" cy="0"/>
+          <a:chOff x="0" y="0"/>
+          <a:chExt cx="0" cy="0"/>
+        </a:xfrm>
+      </p:grpSpPr>
+      <p:sp>
+        <p:nvSpPr>
+          <p:cNvPr id="2" name="Titre 1"/>
+          <p:cNvSpPr>
+            <a:spLocks noGrp="1"/>
+          </p:cNvSpPr>
+          <p:nvPr>
+            <p:ph type="title"/>
+          </p:nvPr>
+        </p:nvSpPr>
+        <p:spPr/>
+        <p:txBody>
+          <a:bodyPr/>
+          <a:lstStyle/>
+          <a:p>
+            <a:r>
+              <a:rPr lang="fr-FR" dirty="0" smtClean="0"/>
+              <a:t>PARTIE 2</a:t>
+            </a:r>
+            <a:endParaRPr lang="fr-FR" dirty="0"/>
+          </a:p>
+        </p:txBody>
+      </p:sp>
+      <p:sp>
+        <p:nvSpPr>
+          <p:cNvPr id="4" name="Espace réservé du pied de page 3"/>
+          <p:cNvSpPr>
+            <a:spLocks noGrp="1"/>
+          </p:cNvSpPr>
+          <p:nvPr>
+            <p:ph type="ftr" sz="quarter" idx="11"/>
+          </p:nvPr>
+        </p:nvSpPr>
+        <p:spPr/>
+        <p:txBody>
+          <a:bodyPr/>
+          <a:lstStyle/>
+          <a:p>
+            <a:endParaRPr lang="en-US"/>
+          </a:p>
+        </p:txBody>
+      </p:sp>
+      <p:sp>
+        <p:nvSpPr>
+          <p:cNvPr id="5" name="Espace réservé du numéro de diapositive 4"/>
+          <p:cNvSpPr>
+            <a:spLocks noGrp="1"/>
+          </p:cNvSpPr>
+          <p:nvPr>
+            <p:ph type="sldNum" sz="quarter" idx="12"/>
+          </p:nvPr>
+        </p:nvSpPr>
+        <p:spPr/>
+        <p:txBody>
+          <a:bodyPr/>
+          <a:lstStyle/>
+          <a:p>
+            <a:fld id="{D12AA694-00EB-4F4B-AABB-6F50FB178914}" type="slidenum">
+              <a:rPr lang="en-US" smtClean="0"/>
+              <a:t>23</a:t>
+            </a:fld>
+            <a:endParaRPr lang="en-US"/>
+          </a:p>
+        </p:txBody>
+      </p:sp>
+      <p:pic>
+        <p:nvPicPr>
+          <p:cNvPr id="8" name="Image 7"/>
+          <p:cNvPicPr>
+            <a:picLocks noChangeAspect="1"/>
+          </p:cNvPicPr>
+          <p:nvPr/>
+        </p:nvPicPr>
+        <p:blipFill>
+          <a:blip r:embed="rId2" cstate="email">
+            <a:extLst>
+              <a:ext uri="{28A0092B-C50C-407E-A947-70E740481C1C}">
+                <a14:useLocalDpi xmlns:a14="http://schemas.microsoft.com/office/drawing/2010/main" val="0"/>
+              </a:ext>
+            </a:extLst>
+          </a:blip>
+          <a:stretch>
+            <a:fillRect/>
+          </a:stretch>
+        </p:blipFill>
+        <p:spPr>
+          <a:xfrm>
+            <a:off x="7400559" y="0"/>
+            <a:ext cx="1743441" cy="1743441"/>
+          </a:xfrm>
+          <a:prstGeom prst="rect">
+            <a:avLst/>
+          </a:prstGeom>
+        </p:spPr>
+      </p:pic>
+      <p:pic>
+        <p:nvPicPr>
+          <p:cNvPr id="6" name="Image 5"/>
+          <p:cNvPicPr>
+            <a:picLocks noChangeAspect="1"/>
+          </p:cNvPicPr>
+          <p:nvPr/>
+        </p:nvPicPr>
+        <p:blipFill>
+          <a:blip r:embed="rId3"/>
+          <a:stretch>
+            <a:fillRect/>
+          </a:stretch>
+        </p:blipFill>
+        <p:spPr>
+          <a:xfrm>
+            <a:off x="2989384" y="2252727"/>
+            <a:ext cx="2756389" cy="3350904"/>
+          </a:xfrm>
+          <a:prstGeom prst="rect">
+            <a:avLst/>
+          </a:prstGeom>
+        </p:spPr>
+      </p:pic>
+    </p:spTree>
+    <p:extLst>
+      <p:ext uri="{BB962C8B-B14F-4D97-AF65-F5344CB8AC3E}">
+        <p14:creationId xmlns:p14="http://schemas.microsoft.com/office/powerpoint/2010/main" val="1653906488"/>
+      </p:ext>
+    </p:extLst>
+  </p:cSld>
+  <p:clrMapOvr>
+    <a:masterClrMapping/>
+  </p:clrMapOvr>
+  <p:timing>
+    <p:tnLst>
+      <p:par>
+        <p:cTn id="1" dur="indefinite" restart="never" nodeType="tmRoot"/>
+      </p:par>
+    </p:tnLst>
+  </p:timing>
+</p:sld>
+</file>
+
+<file path=ppt/slides/slide24.xml><?xml version="1.0" encoding="utf-8"?>
+<p:sld xmlns:a="http://schemas.openxmlformats.org/drawingml/2006/main" xmlns:r="http://schemas.openxmlformats.org/officeDocument/2006/relationships" xmlns:p="http://schemas.openxmlformats.org/presentationml/2006/main">
+  <p:cSld>
+    <p:spTree>
+      <p:nvGrpSpPr>
+        <p:cNvPr id="1" name=""/>
+        <p:cNvGrpSpPr/>
+        <p:nvPr/>
+      </p:nvGrpSpPr>
+      <p:grpSpPr>
+        <a:xfrm>
+          <a:off x="0" y="0"/>
+          <a:ext cx="0" cy="0"/>
+          <a:chOff x="0" y="0"/>
+          <a:chExt cx="0" cy="0"/>
+        </a:xfrm>
+      </p:grpSpPr>
+      <p:sp>
+        <p:nvSpPr>
+          <p:cNvPr id="2" name="Titre 1"/>
+          <p:cNvSpPr>
+            <a:spLocks noGrp="1"/>
+          </p:cNvSpPr>
+          <p:nvPr>
+            <p:ph type="title"/>
+          </p:nvPr>
+        </p:nvSpPr>
+        <p:spPr/>
+        <p:txBody>
+          <a:bodyPr/>
+          <a:lstStyle/>
+          <a:p>
+            <a:r>
+              <a:rPr lang="fr-FR" dirty="0" smtClean="0"/>
+              <a:t>PARTIE 2</a:t>
+            </a:r>
+            <a:endParaRPr lang="fr-FR" dirty="0"/>
+          </a:p>
+        </p:txBody>
+      </p:sp>
+      <p:sp>
+        <p:nvSpPr>
+          <p:cNvPr id="4" name="Espace réservé du pied de page 3"/>
+          <p:cNvSpPr>
+            <a:spLocks noGrp="1"/>
+          </p:cNvSpPr>
+          <p:nvPr>
+            <p:ph type="ftr" sz="quarter" idx="11"/>
+          </p:nvPr>
+        </p:nvSpPr>
+        <p:spPr/>
+        <p:txBody>
+          <a:bodyPr/>
+          <a:lstStyle/>
+          <a:p>
+            <a:endParaRPr lang="en-US"/>
+          </a:p>
+        </p:txBody>
+      </p:sp>
+      <p:sp>
+        <p:nvSpPr>
+          <p:cNvPr id="5" name="Espace réservé du numéro de diapositive 4"/>
+          <p:cNvSpPr>
+            <a:spLocks noGrp="1"/>
+          </p:cNvSpPr>
+          <p:nvPr>
+            <p:ph type="sldNum" sz="quarter" idx="12"/>
+          </p:nvPr>
+        </p:nvSpPr>
+        <p:spPr/>
+        <p:txBody>
+          <a:bodyPr/>
+          <a:lstStyle/>
+          <a:p>
+            <a:fld id="{D12AA694-00EB-4F4B-AABB-6F50FB178914}" type="slidenum">
+              <a:rPr lang="en-US" smtClean="0"/>
+              <a:t>24</a:t>
+            </a:fld>
+            <a:endParaRPr lang="en-US"/>
+          </a:p>
+        </p:txBody>
+      </p:sp>
+      <p:pic>
+        <p:nvPicPr>
+          <p:cNvPr id="8" name="Image 7"/>
+          <p:cNvPicPr>
+            <a:picLocks noChangeAspect="1"/>
+          </p:cNvPicPr>
+          <p:nvPr/>
+        </p:nvPicPr>
+        <p:blipFill>
+          <a:blip r:embed="rId2" cstate="email">
+            <a:extLst>
+              <a:ext uri="{28A0092B-C50C-407E-A947-70E740481C1C}">
+                <a14:useLocalDpi xmlns:a14="http://schemas.microsoft.com/office/drawing/2010/main" val="0"/>
+              </a:ext>
+            </a:extLst>
+          </a:blip>
+          <a:stretch>
+            <a:fillRect/>
+          </a:stretch>
+        </p:blipFill>
+        <p:spPr>
+          <a:xfrm>
+            <a:off x="7400559" y="0"/>
+            <a:ext cx="1743441" cy="1743441"/>
+          </a:xfrm>
+          <a:prstGeom prst="rect">
+            <a:avLst/>
+          </a:prstGeom>
+        </p:spPr>
+      </p:pic>
+      <p:pic>
+        <p:nvPicPr>
+          <p:cNvPr id="7" name="Image 6"/>
+          <p:cNvPicPr>
+            <a:picLocks noChangeAspect="1"/>
+          </p:cNvPicPr>
+          <p:nvPr/>
+        </p:nvPicPr>
+        <p:blipFill>
+          <a:blip r:embed="rId3"/>
+          <a:stretch>
+            <a:fillRect/>
+          </a:stretch>
+        </p:blipFill>
+        <p:spPr>
+          <a:xfrm>
+            <a:off x="0" y="0"/>
+            <a:ext cx="9144000" cy="6858000"/>
+          </a:xfrm>
+          <a:prstGeom prst="rect">
+            <a:avLst/>
+          </a:prstGeom>
+        </p:spPr>
+      </p:pic>
+    </p:spTree>
+    <p:extLst>
+      <p:ext uri="{BB962C8B-B14F-4D97-AF65-F5344CB8AC3E}">
+        <p14:creationId xmlns:p14="http://schemas.microsoft.com/office/powerpoint/2010/main" val="3318138417"/>
+      </p:ext>
+    </p:extLst>
+  </p:cSld>
+  <p:clrMapOvr>
+    <a:masterClrMapping/>
+  </p:clrMapOvr>
+  <p:timing>
+    <p:tnLst>
+      <p:par>
+        <p:cTn id="1" dur="indefinite" restart="never" nodeType="tmRoot"/>
+      </p:par>
+    </p:tnLst>
+  </p:timing>
+</p:sld>
+</file>
+
+<file path=ppt/slides/slide25.xml><?xml version="1.0" encoding="utf-8"?>
+<p:sld xmlns:a="http://schemas.openxmlformats.org/drawingml/2006/main" xmlns:r="http://schemas.openxmlformats.org/officeDocument/2006/relationships" xmlns:p="http://schemas.openxmlformats.org/presentationml/2006/main">
+  <p:cSld>
+    <p:spTree>
+      <p:nvGrpSpPr>
+        <p:cNvPr id="1" name=""/>
+        <p:cNvGrpSpPr/>
+        <p:nvPr/>
+      </p:nvGrpSpPr>
+      <p:grpSpPr>
+        <a:xfrm>
+          <a:off x="0" y="0"/>
+          <a:ext cx="0" cy="0"/>
+          <a:chOff x="0" y="0"/>
+          <a:chExt cx="0" cy="0"/>
+        </a:xfrm>
+      </p:grpSpPr>
+      <p:sp>
+        <p:nvSpPr>
+          <p:cNvPr id="2" name="Titre 1"/>
+          <p:cNvSpPr>
+            <a:spLocks noGrp="1"/>
+          </p:cNvSpPr>
+          <p:nvPr>
+            <p:ph type="title"/>
+          </p:nvPr>
+        </p:nvSpPr>
+        <p:spPr/>
+        <p:txBody>
+          <a:bodyPr/>
+          <a:lstStyle/>
+          <a:p>
+            <a:r>
+              <a:rPr lang="fr-FR" dirty="0" smtClean="0"/>
+              <a:t>PARTIE 2</a:t>
+            </a:r>
+            <a:endParaRPr lang="fr-FR" dirty="0"/>
+          </a:p>
+        </p:txBody>
+      </p:sp>
+      <p:sp>
+        <p:nvSpPr>
+          <p:cNvPr id="4" name="Espace réservé du pied de page 3"/>
+          <p:cNvSpPr>
+            <a:spLocks noGrp="1"/>
+          </p:cNvSpPr>
+          <p:nvPr>
+            <p:ph type="ftr" sz="quarter" idx="11"/>
+          </p:nvPr>
+        </p:nvSpPr>
+        <p:spPr/>
+        <p:txBody>
+          <a:bodyPr/>
+          <a:lstStyle/>
+          <a:p>
+            <a:endParaRPr lang="en-US"/>
+          </a:p>
+        </p:txBody>
+      </p:sp>
+      <p:sp>
+        <p:nvSpPr>
+          <p:cNvPr id="5" name="Espace réservé du numéro de diapositive 4"/>
+          <p:cNvSpPr>
+            <a:spLocks noGrp="1"/>
+          </p:cNvSpPr>
+          <p:nvPr>
+            <p:ph type="sldNum" sz="quarter" idx="12"/>
+          </p:nvPr>
+        </p:nvSpPr>
+        <p:spPr/>
+        <p:txBody>
+          <a:bodyPr/>
+          <a:lstStyle/>
+          <a:p>
+            <a:fld id="{D12AA694-00EB-4F4B-AABB-6F50FB178914}" type="slidenum">
+              <a:rPr lang="en-US" smtClean="0"/>
+              <a:t>25</a:t>
+            </a:fld>
+            <a:endParaRPr lang="en-US"/>
+          </a:p>
+        </p:txBody>
+      </p:sp>
+      <p:pic>
+        <p:nvPicPr>
+          <p:cNvPr id="8" name="Image 7"/>
+          <p:cNvPicPr>
+            <a:picLocks noChangeAspect="1"/>
+          </p:cNvPicPr>
+          <p:nvPr/>
+        </p:nvPicPr>
+        <p:blipFill>
+          <a:blip r:embed="rId2" cstate="email">
+            <a:extLst>
+              <a:ext uri="{28A0092B-C50C-407E-A947-70E740481C1C}">
+                <a14:useLocalDpi xmlns:a14="http://schemas.microsoft.com/office/drawing/2010/main" val="0"/>
+              </a:ext>
+            </a:extLst>
+          </a:blip>
+          <a:stretch>
+            <a:fillRect/>
+          </a:stretch>
+        </p:blipFill>
+        <p:spPr>
+          <a:xfrm>
+            <a:off x="7400559" y="0"/>
+            <a:ext cx="1743441" cy="1743441"/>
+          </a:xfrm>
+          <a:prstGeom prst="rect">
+            <a:avLst/>
+          </a:prstGeom>
+        </p:spPr>
+      </p:pic>
+    </p:spTree>
+    <p:extLst>
+      <p:ext uri="{BB962C8B-B14F-4D97-AF65-F5344CB8AC3E}">
+        <p14:creationId xmlns:p14="http://schemas.microsoft.com/office/powerpoint/2010/main" val="1008600765"/>
+      </p:ext>
+    </p:extLst>
+  </p:cSld>
+  <p:clrMapOvr>
+    <a:masterClrMapping/>
+  </p:clrMapOvr>
+  <p:timing>
+    <p:tnLst>
+      <p:par>
+        <p:cTn id="1" dur="indefinite" restart="never" nodeType="tmRoot"/>
+      </p:par>
+    </p:tnLst>
+  </p:timing>
 </p:sld>
 </file>
 
@@ -6642,7 +8207,6 @@
               <a:rPr lang="fr-FR" dirty="0" smtClean="0"/>
               <a:t>Présentation du projet</a:t>
             </a:r>
-            <a:endParaRPr lang="fr-FR" dirty="0" smtClean="0"/>
           </a:p>
           <a:p>
             <a:pPr marL="806450" lvl="2" indent="0">
@@ -6747,7 +8311,7 @@
         </p:nvSpPr>
         <p:spPr>
           <a:xfrm>
-            <a:off x="5686742" y="2535936"/>
+            <a:off x="5405388" y="2530895"/>
             <a:ext cx="3134170" cy="1200329"/>
           </a:xfrm>
           <a:prstGeom prst="rect">
@@ -6773,6 +8337,75 @@
             <a:r>
               <a:rPr lang="fr-FR" dirty="0" smtClean="0"/>
               <a:t>Concevoir une application web intranet</a:t>
+            </a:r>
+            <a:endParaRPr lang="fr-FR" dirty="0"/>
+          </a:p>
+        </p:txBody>
+      </p:sp>
+      <p:pic>
+        <p:nvPicPr>
+          <p:cNvPr id="10" name="Image 9"/>
+          <p:cNvPicPr>
+            <a:picLocks noChangeAspect="1"/>
+          </p:cNvPicPr>
+          <p:nvPr/>
+        </p:nvPicPr>
+        <p:blipFill>
+          <a:blip r:embed="rId2" cstate="email">
+            <a:extLst>
+              <a:ext uri="{28A0092B-C50C-407E-A947-70E740481C1C}">
+                <a14:useLocalDpi xmlns:a14="http://schemas.microsoft.com/office/drawing/2010/main" val="0"/>
+              </a:ext>
+            </a:extLst>
+          </a:blip>
+          <a:stretch>
+            <a:fillRect/>
+          </a:stretch>
+        </p:blipFill>
+        <p:spPr>
+          <a:xfrm>
+            <a:off x="7400559" y="0"/>
+            <a:ext cx="1743441" cy="1743441"/>
+          </a:xfrm>
+          <a:prstGeom prst="rect">
+            <a:avLst/>
+          </a:prstGeom>
+        </p:spPr>
+      </p:pic>
+      <p:sp>
+        <p:nvSpPr>
+          <p:cNvPr id="6" name="ZoneTexte 5"/>
+          <p:cNvSpPr txBox="1"/>
+          <p:nvPr/>
+        </p:nvSpPr>
+        <p:spPr>
+          <a:xfrm>
+            <a:off x="2971800" y="4580792"/>
+            <a:ext cx="3592843" cy="923330"/>
+          </a:xfrm>
+          <a:prstGeom prst="rect">
+            <a:avLst/>
+          </a:prstGeom>
+          <a:noFill/>
+        </p:spPr>
+        <p:txBody>
+          <a:bodyPr wrap="none" rtlCol="0">
+            <a:spAutoFit/>
+          </a:bodyPr>
+          <a:lstStyle/>
+          <a:p>
+            <a:r>
+              <a:rPr lang="fr-FR" dirty="0" smtClean="0"/>
+              <a:t>Fonction n°3 :</a:t>
+            </a:r>
+          </a:p>
+          <a:p>
+            <a:endParaRPr lang="fr-FR" dirty="0" smtClean="0"/>
+          </a:p>
+          <a:p>
+            <a:r>
+              <a:rPr lang="fr-FR" dirty="0" smtClean="0"/>
+              <a:t>Afficher le classement en temps réel</a:t>
             </a:r>
             <a:endParaRPr lang="fr-FR" dirty="0"/>
           </a:p>
@@ -6788,6 +8421,13 @@
   <p:clrMapOvr>
     <a:masterClrMapping/>
   </p:clrMapOvr>
+  <p:timing>
+    <p:tnLst>
+      <p:par>
+        <p:cTn id="1" dur="indefinite" restart="never" nodeType="tmRoot"/>
+      </p:par>
+    </p:tnLst>
+  </p:timing>
 </p:sld>
 </file>
 
@@ -6857,7 +8497,6 @@
               <a:rPr lang="fr-FR" dirty="0" smtClean="0"/>
               <a:t>Présentation du projet</a:t>
             </a:r>
-            <a:endParaRPr lang="fr-FR" dirty="0" smtClean="0"/>
           </a:p>
           <a:p>
             <a:pPr marL="806450" lvl="2" indent="0">
@@ -6917,9 +8556,9 @@
       </p:sp>
       <p:pic>
         <p:nvPicPr>
-          <p:cNvPr id="1026" name="Picture 2" descr="X:\Projet_CrossLaPro\Ressources\Elements Photoshop\Synoptique.jpg"/>
+          <p:cNvPr id="7" name="Image 6"/>
           <p:cNvPicPr>
-            <a:picLocks noChangeAspect="1" noChangeArrowheads="1"/>
+            <a:picLocks noChangeAspect="1"/>
           </p:cNvPicPr>
           <p:nvPr/>
         </p:nvPicPr>
@@ -6931,29 +8570,72 @@
               </a:ext>
             </a:extLst>
           </a:blip>
-          <a:srcRect/>
           <a:stretch>
             <a:fillRect/>
           </a:stretch>
         </p:blipFill>
-        <p:spPr bwMode="auto">
-          <a:xfrm>
-            <a:off x="1194435" y="2623620"/>
-            <a:ext cx="6800850" cy="2266951"/>
+        <p:spPr>
+          <a:xfrm>
+            <a:off x="7400559" y="36937"/>
+            <a:ext cx="1743441" cy="1743441"/>
           </a:xfrm>
           <a:prstGeom prst="rect">
             <a:avLst/>
           </a:prstGeom>
-          <a:noFill/>
-          <a:extLst>
-            <a:ext uri="{909E8E84-426E-40DD-AFC4-6F175D3DCCD1}">
-              <a14:hiddenFill xmlns:a14="http://schemas.microsoft.com/office/drawing/2010/main">
-                <a:solidFill>
-                  <a:srgbClr val="FFFFFF"/>
-                </a:solidFill>
-              </a14:hiddenFill>
-            </a:ext>
-          </a:extLst>
+        </p:spPr>
+      </p:pic>
+      <p:pic>
+        <p:nvPicPr>
+          <p:cNvPr id="6" name="Image 5"/>
+          <p:cNvPicPr>
+            <a:picLocks noChangeAspect="1"/>
+          </p:cNvPicPr>
+          <p:nvPr/>
+        </p:nvPicPr>
+        <p:blipFill>
+          <a:blip r:embed="rId3" cstate="email">
+            <a:extLst>
+              <a:ext uri="{28A0092B-C50C-407E-A947-70E740481C1C}">
+                <a14:useLocalDpi xmlns:a14="http://schemas.microsoft.com/office/drawing/2010/main" val="0"/>
+              </a:ext>
+            </a:extLst>
+          </a:blip>
+          <a:stretch>
+            <a:fillRect/>
+          </a:stretch>
+        </p:blipFill>
+        <p:spPr>
+          <a:xfrm>
+            <a:off x="84748" y="2268415"/>
+            <a:ext cx="8968155" cy="2989385"/>
+          </a:xfrm>
+          <a:prstGeom prst="rect">
+            <a:avLst/>
+          </a:prstGeom>
+        </p:spPr>
+      </p:pic>
+      <p:pic>
+        <p:nvPicPr>
+          <p:cNvPr id="9" name="Image 8"/>
+          <p:cNvPicPr>
+            <a:picLocks noChangeAspect="1"/>
+          </p:cNvPicPr>
+          <p:nvPr/>
+        </p:nvPicPr>
+        <p:blipFill>
+          <a:blip r:embed="rId4"/>
+          <a:stretch>
+            <a:fillRect/>
+          </a:stretch>
+        </p:blipFill>
+        <p:spPr>
+          <a:xfrm rot="10800000">
+            <a:off x="5477241" y="3483802"/>
+            <a:ext cx="581025" cy="352425"/>
+          </a:xfrm>
+          <a:prstGeom prst="rect">
+            <a:avLst/>
+          </a:prstGeom>
         </p:spPr>
       </p:pic>
     </p:spTree>
@@ -6966,6 +8648,13 @@
   <p:clrMapOvr>
     <a:masterClrMapping/>
   </p:clrMapOvr>
+  <p:timing>
+    <p:tnLst>
+      <p:par>
+        <p:cTn id="1" dur="indefinite" restart="never" nodeType="tmRoot"/>
+      </p:par>
+    </p:tnLst>
+  </p:timing>
 </p:sld>
 </file>
 
@@ -7021,7 +8710,7 @@
         </p:nvSpPr>
         <p:spPr>
           <a:xfrm>
-            <a:off x="779462" y="1780378"/>
+            <a:off x="937724" y="1780378"/>
             <a:ext cx="7581901" cy="3953436"/>
           </a:xfrm>
         </p:spPr>
@@ -7033,34 +8722,8 @@
           <a:p>
             <a:r>
               <a:rPr lang="fr-FR" dirty="0" smtClean="0"/>
-              <a:t>Organisation du projet</a:t>
-            </a:r>
-          </a:p>
-          <a:p>
-            <a:pPr lvl="1"/>
-            <a:r>
-              <a:rPr lang="fr-FR" dirty="0" smtClean="0"/>
-              <a:t>Git hub </a:t>
-            </a:r>
-            <a:r>
-              <a:rPr lang="fr-FR" dirty="0"/>
-              <a:t>: https://github.com/Colbert1/Projet_CrossLaPro</a:t>
-            </a:r>
-            <a:endParaRPr lang="fr-FR" dirty="0" smtClean="0"/>
-          </a:p>
-          <a:p>
-            <a:pPr marL="201168" lvl="1" indent="0">
-              <a:buNone/>
-            </a:pPr>
-            <a:r>
-              <a:rPr lang="fr-FR" dirty="0" smtClean="0"/>
-              <a:t>	</a:t>
-            </a:r>
-            <a:endParaRPr lang="fr-FR" dirty="0" smtClean="0"/>
-          </a:p>
-          <a:p>
-            <a:pPr lvl="1"/>
-            <a:endParaRPr lang="fr-FR" dirty="0" smtClean="0"/>
+              <a:t>Choix logiciels</a:t>
+            </a:r>
           </a:p>
           <a:p>
             <a:pPr marL="806450" lvl="2" indent="0">
@@ -7127,21 +8790,57 @@
           <p:nvPr/>
         </p:nvPicPr>
         <p:blipFill>
-          <a:blip r:embed="rId2"/>
+          <a:blip r:embed="rId2" cstate="email">
+            <a:extLst>
+              <a:ext uri="{28A0092B-C50C-407E-A947-70E740481C1C}">
+                <a14:useLocalDpi xmlns:a14="http://schemas.microsoft.com/office/drawing/2010/main" val="0"/>
+              </a:ext>
+            </a:extLst>
+          </a:blip>
           <a:stretch>
             <a:fillRect/>
           </a:stretch>
         </p:blipFill>
         <p:spPr>
           <a:xfrm>
-            <a:off x="6814116" y="3429243"/>
-            <a:ext cx="2234612" cy="1654821"/>
+            <a:off x="941114" y="2396782"/>
+            <a:ext cx="1823525" cy="1823525"/>
           </a:xfrm>
           <a:prstGeom prst="rect">
             <a:avLst/>
           </a:prstGeom>
         </p:spPr>
       </p:pic>
+      <p:sp>
+        <p:nvSpPr>
+          <p:cNvPr id="7" name="ZoneTexte 6"/>
+          <p:cNvSpPr txBox="1"/>
+          <p:nvPr/>
+        </p:nvSpPr>
+        <p:spPr>
+          <a:xfrm>
+            <a:off x="941114" y="4398627"/>
+            <a:ext cx="1933543" cy="369332"/>
+          </a:xfrm>
+          <a:prstGeom prst="rect">
+            <a:avLst/>
+          </a:prstGeom>
+          <a:noFill/>
+        </p:spPr>
+        <p:txBody>
+          <a:bodyPr wrap="none" rtlCol="0">
+            <a:spAutoFit/>
+          </a:bodyPr>
+          <a:lstStyle/>
+          <a:p>
+            <a:r>
+              <a:rPr lang="fr-FR" dirty="0" smtClean="0"/>
+              <a:t>Visual Studio Code</a:t>
+            </a:r>
+            <a:endParaRPr lang="fr-FR" dirty="0"/>
+          </a:p>
+        </p:txBody>
+      </p:sp>
       <p:pic>
         <p:nvPicPr>
           <p:cNvPr id="8" name="Image 7"/>
@@ -7151,15 +8850,81 @@
           <p:nvPr/>
         </p:nvPicPr>
         <p:blipFill>
-          <a:blip r:embed="rId3"/>
+          <a:blip r:embed="rId3">
+            <a:extLst>
+              <a:ext uri="{28A0092B-C50C-407E-A947-70E740481C1C}">
+                <a14:useLocalDpi xmlns:a14="http://schemas.microsoft.com/office/drawing/2010/main" val="0"/>
+              </a:ext>
+            </a:extLst>
+          </a:blip>
           <a:stretch>
             <a:fillRect/>
           </a:stretch>
         </p:blipFill>
         <p:spPr>
           <a:xfrm>
-            <a:off x="92097" y="2974339"/>
-            <a:ext cx="6673229" cy="2559497"/>
+            <a:off x="4872307" y="2629632"/>
+            <a:ext cx="2695575" cy="1590675"/>
+          </a:xfrm>
+          <a:prstGeom prst="rect">
+            <a:avLst/>
+          </a:prstGeom>
+        </p:spPr>
+      </p:pic>
+      <p:sp>
+        <p:nvSpPr>
+          <p:cNvPr id="9" name="ZoneTexte 8"/>
+          <p:cNvSpPr txBox="1"/>
+          <p:nvPr/>
+        </p:nvSpPr>
+        <p:spPr>
+          <a:xfrm>
+            <a:off x="5488964" y="4398627"/>
+            <a:ext cx="1462260" cy="369332"/>
+          </a:xfrm>
+          <a:prstGeom prst="rect">
+            <a:avLst/>
+          </a:prstGeom>
+          <a:noFill/>
+        </p:spPr>
+        <p:txBody>
+          <a:bodyPr wrap="none" rtlCol="0">
+            <a:spAutoFit/>
+          </a:bodyPr>
+          <a:lstStyle/>
+          <a:p>
+            <a:r>
+              <a:rPr lang="fr-FR" dirty="0" err="1" smtClean="0"/>
+              <a:t>PhpMyAdmin</a:t>
+            </a:r>
+            <a:endParaRPr lang="fr-FR" dirty="0"/>
+          </a:p>
+        </p:txBody>
+      </p:sp>
+      <p:pic>
+        <p:nvPicPr>
+          <p:cNvPr id="11" name="Image 10"/>
+          <p:cNvPicPr>
+            <a:picLocks noChangeAspect="1"/>
+          </p:cNvPicPr>
+          <p:nvPr/>
+        </p:nvPicPr>
+        <p:blipFill>
+          <a:blip r:embed="rId4" cstate="email">
+            <a:extLst>
+              <a:ext uri="{28A0092B-C50C-407E-A947-70E740481C1C}">
+                <a14:useLocalDpi xmlns:a14="http://schemas.microsoft.com/office/drawing/2010/main" val="0"/>
+              </a:ext>
+            </a:extLst>
+          </a:blip>
+          <a:stretch>
+            <a:fillRect/>
+          </a:stretch>
+        </p:blipFill>
+        <p:spPr>
+          <a:xfrm>
+            <a:off x="7400559" y="0"/>
+            <a:ext cx="1743441" cy="1743441"/>
           </a:xfrm>
           <a:prstGeom prst="rect">
             <a:avLst/>
@@ -7169,13 +8934,20 @@
     </p:spTree>
     <p:extLst>
       <p:ext uri="{BB962C8B-B14F-4D97-AF65-F5344CB8AC3E}">
-        <p14:creationId xmlns:p14="http://schemas.microsoft.com/office/powerpoint/2010/main" val="3091482950"/>
+        <p14:creationId xmlns:p14="http://schemas.microsoft.com/office/powerpoint/2010/main" val="2369620794"/>
       </p:ext>
     </p:extLst>
   </p:cSld>
   <p:clrMapOvr>
     <a:masterClrMapping/>
   </p:clrMapOvr>
+  <p:timing>
+    <p:tnLst>
+      <p:par>
+        <p:cTn id="1" dur="indefinite" restart="never" nodeType="tmRoot"/>
+      </p:par>
+    </p:tnLst>
+  </p:timing>
 </p:sld>
 </file>
 
@@ -7231,7 +9003,7 @@
         </p:nvSpPr>
         <p:spPr>
           <a:xfrm>
-            <a:off x="779462" y="1780378"/>
+            <a:off x="937724" y="1780378"/>
             <a:ext cx="7581901" cy="3953436"/>
           </a:xfrm>
         </p:spPr>
@@ -7242,25 +9014,42 @@
           <a:lstStyle/>
           <a:p>
             <a:r>
-              <a:rPr lang="fr-FR" dirty="0" smtClean="0"/>
-              <a:t>Organisation du projet</a:t>
-            </a:r>
-          </a:p>
-          <a:p>
-            <a:pPr marL="201168" lvl="1" indent="0">
+              <a:rPr lang="fr-FR" u="sng" dirty="0" smtClean="0"/>
+              <a:t>Coût estimé :</a:t>
+            </a:r>
+          </a:p>
+          <a:p>
+            <a:pPr marL="0" indent="0">
               <a:buNone/>
             </a:pPr>
             <a:r>
               <a:rPr lang="fr-FR" dirty="0" smtClean="0"/>
-              <a:t>Répartition </a:t>
-            </a:r>
+              <a:t>192h – 12h d’absence : 180h officielles</a:t>
+            </a:r>
+          </a:p>
+          <a:p>
+            <a:pPr marL="0" indent="0">
+              <a:buNone/>
+            </a:pPr>
             <a:r>
               <a:rPr lang="fr-FR" dirty="0" smtClean="0"/>
-              <a:t>des tâches</a:t>
-            </a:r>
-          </a:p>
-          <a:p>
-            <a:pPr lvl="1"/>
+              <a:t>180h * 10,25€/h = 1845€</a:t>
+            </a:r>
+          </a:p>
+          <a:p>
+            <a:pPr marL="0" indent="0">
+              <a:buNone/>
+            </a:pPr>
+            <a:endParaRPr lang="fr-FR" dirty="0" smtClean="0"/>
+          </a:p>
+          <a:p>
+            <a:pPr marL="0" indent="0">
+              <a:buNone/>
+            </a:pPr>
+            <a:r>
+              <a:rPr lang="fr-FR" dirty="0" smtClean="0"/>
+              <a:t>Pseudo coût de 1845€ + 239€ de matériel Wi-Fi = 2084€</a:t>
+            </a:r>
             <a:endParaRPr lang="fr-FR" dirty="0" smtClean="0"/>
           </a:p>
           <a:p>
@@ -7319,40 +9108,53 @@
           </a:p>
         </p:txBody>
       </p:sp>
-      <p:graphicFrame>
-        <p:nvGraphicFramePr>
-          <p:cNvPr id="9" name="Graphique 8"/>
-          <p:cNvGraphicFramePr>
-            <a:graphicFrameLocks/>
-          </p:cNvGraphicFramePr>
-          <p:nvPr>
-            <p:extLst>
-              <p:ext uri="{D42A27DB-BD31-4B8C-83A1-F6EECF244321}">
-                <p14:modId xmlns:p14="http://schemas.microsoft.com/office/powerpoint/2010/main" val="980820273"/>
-              </p:ext>
-            </p:extLst>
-          </p:nvPr>
-        </p:nvGraphicFramePr>
-        <p:xfrm>
-          <a:off x="1142929" y="2377440"/>
-          <a:ext cx="7218434" cy="3921061"/>
-        </p:xfrm>
-        <a:graphic>
-          <a:graphicData uri="http://schemas.openxmlformats.org/drawingml/2006/chart">
-            <c:chart xmlns:c="http://schemas.openxmlformats.org/drawingml/2006/chart" xmlns:r="http://schemas.openxmlformats.org/officeDocument/2006/relationships" r:id="rId3"/>
-          </a:graphicData>
-        </a:graphic>
-      </p:graphicFrame>
+      <p:pic>
+        <p:nvPicPr>
+          <p:cNvPr id="11" name="Image 10"/>
+          <p:cNvPicPr>
+            <a:picLocks noChangeAspect="1"/>
+          </p:cNvPicPr>
+          <p:nvPr/>
+        </p:nvPicPr>
+        <p:blipFill>
+          <a:blip r:embed="rId2" cstate="email">
+            <a:extLst>
+              <a:ext uri="{28A0092B-C50C-407E-A947-70E740481C1C}">
+                <a14:useLocalDpi xmlns:a14="http://schemas.microsoft.com/office/drawing/2010/main" val="0"/>
+              </a:ext>
+            </a:extLst>
+          </a:blip>
+          <a:stretch>
+            <a:fillRect/>
+          </a:stretch>
+        </p:blipFill>
+        <p:spPr>
+          <a:xfrm>
+            <a:off x="7400559" y="0"/>
+            <a:ext cx="1743441" cy="1743441"/>
+          </a:xfrm>
+          <a:prstGeom prst="rect">
+            <a:avLst/>
+          </a:prstGeom>
+        </p:spPr>
+      </p:pic>
     </p:spTree>
     <p:extLst>
       <p:ext uri="{BB962C8B-B14F-4D97-AF65-F5344CB8AC3E}">
-        <p14:creationId xmlns:p14="http://schemas.microsoft.com/office/powerpoint/2010/main" val="3410900930"/>
+        <p14:creationId xmlns:p14="http://schemas.microsoft.com/office/powerpoint/2010/main" val="2060596879"/>
       </p:ext>
     </p:extLst>
   </p:cSld>
   <p:clrMapOvr>
     <a:masterClrMapping/>
   </p:clrMapOvr>
+  <p:timing>
+    <p:tnLst>
+      <p:par>
+        <p:cTn id="1" dur="indefinite" restart="never" nodeType="tmRoot"/>
+      </p:par>
+    </p:tnLst>
+  </p:timing>
 </p:sld>
 </file>
 
@@ -7390,50 +9192,9 @@
           <a:p>
             <a:r>
               <a:rPr lang="fr-FR" dirty="0" smtClean="0"/>
-              <a:t>Analyse</a:t>
+              <a:t>Partie 1</a:t>
             </a:r>
             <a:endParaRPr lang="fr-FR" dirty="0"/>
-          </a:p>
-        </p:txBody>
-      </p:sp>
-      <p:sp>
-        <p:nvSpPr>
-          <p:cNvPr id="3" name="Espace réservé du contenu 2"/>
-          <p:cNvSpPr>
-            <a:spLocks noGrp="1"/>
-          </p:cNvSpPr>
-          <p:nvPr>
-            <p:ph idx="1"/>
-          </p:nvPr>
-        </p:nvSpPr>
-        <p:spPr/>
-        <p:txBody>
-          <a:bodyPr>
-            <a:normAutofit/>
-          </a:bodyPr>
-          <a:lstStyle/>
-          <a:p>
-            <a:r>
-              <a:rPr lang="fr-FR" dirty="0" smtClean="0"/>
-              <a:t>Diagramme de cas </a:t>
-            </a:r>
-            <a:r>
-              <a:rPr lang="fr-FR" dirty="0" smtClean="0"/>
-              <a:t>d’utilisation</a:t>
-            </a:r>
-            <a:endParaRPr lang="fr-FR" dirty="0"/>
-          </a:p>
-          <a:p>
-            <a:pPr marL="806450" lvl="2" indent="0">
-              <a:buNone/>
-            </a:pPr>
-            <a:endParaRPr lang="fr-FR" dirty="0"/>
-          </a:p>
-          <a:p>
-            <a:pPr marL="806450" lvl="2" indent="0">
-              <a:buNone/>
-            </a:pPr>
-            <a:endParaRPr lang="fr-FR" dirty="0" smtClean="0"/>
           </a:p>
         </p:txBody>
       </p:sp>
@@ -7481,7 +9242,7 @@
       </p:sp>
       <p:pic>
         <p:nvPicPr>
-          <p:cNvPr id="7" name="Image 6"/>
+          <p:cNvPr id="11" name="Image 10"/>
           <p:cNvPicPr>
             <a:picLocks noChangeAspect="1"/>
           </p:cNvPicPr>
@@ -7501,8 +9262,32 @@
         </p:blipFill>
         <p:spPr>
           <a:xfrm>
-            <a:off x="1063751" y="2118384"/>
-            <a:ext cx="7062216" cy="4208135"/>
+            <a:off x="7400559" y="0"/>
+            <a:ext cx="1743441" cy="1743441"/>
+          </a:xfrm>
+          <a:prstGeom prst="rect">
+            <a:avLst/>
+          </a:prstGeom>
+        </p:spPr>
+      </p:pic>
+      <p:pic>
+        <p:nvPicPr>
+          <p:cNvPr id="7" name="Image 6"/>
+          <p:cNvPicPr>
+            <a:picLocks noChangeAspect="1"/>
+          </p:cNvPicPr>
+          <p:nvPr/>
+        </p:nvPicPr>
+        <p:blipFill>
+          <a:blip r:embed="rId3"/>
+          <a:stretch>
+            <a:fillRect/>
+          </a:stretch>
+        </p:blipFill>
+        <p:spPr>
+          <a:xfrm>
+            <a:off x="1" y="0"/>
+            <a:ext cx="9138526" cy="6858000"/>
           </a:xfrm>
           <a:prstGeom prst="rect">
             <a:avLst/>
@@ -7512,13 +9297,20 @@
     </p:spTree>
     <p:extLst>
       <p:ext uri="{BB962C8B-B14F-4D97-AF65-F5344CB8AC3E}">
-        <p14:creationId xmlns:p14="http://schemas.microsoft.com/office/powerpoint/2010/main" val="697307151"/>
+        <p14:creationId xmlns:p14="http://schemas.microsoft.com/office/powerpoint/2010/main" val="3160853523"/>
       </p:ext>
     </p:extLst>
   </p:cSld>
   <p:clrMapOvr>
     <a:masterClrMapping/>
   </p:clrMapOvr>
+  <p:timing>
+    <p:tnLst>
+      <p:par>
+        <p:cTn id="1" dur="indefinite" restart="never" nodeType="tmRoot"/>
+      </p:par>
+    </p:tnLst>
+  </p:timing>
 </p:sld>
 </file>
 
@@ -7556,7 +9348,7 @@
           <a:p>
             <a:r>
               <a:rPr lang="fr-FR" dirty="0" smtClean="0"/>
-              <a:t>Analyse</a:t>
+              <a:t>Partie 1</a:t>
             </a:r>
             <a:endParaRPr lang="fr-FR" dirty="0"/>
           </a:p>
@@ -7572,7 +9364,12 @@
             <p:ph idx="1"/>
           </p:nvPr>
         </p:nvSpPr>
-        <p:spPr/>
+        <p:spPr>
+          <a:xfrm>
+            <a:off x="779462" y="1780378"/>
+            <a:ext cx="7581901" cy="3953436"/>
+          </a:xfrm>
+        </p:spPr>
         <p:txBody>
           <a:bodyPr>
             <a:normAutofit/>
@@ -7581,9 +9378,33 @@
           <a:p>
             <a:r>
               <a:rPr lang="fr-FR" dirty="0" smtClean="0"/>
-              <a:t>Diagramme de cas d’utilisation Personnel détaillé</a:t>
-            </a:r>
-            <a:endParaRPr lang="fr-FR" dirty="0"/>
+              <a:t>Organisation du projet</a:t>
+            </a:r>
+          </a:p>
+          <a:p>
+            <a:pPr lvl="1"/>
+            <a:r>
+              <a:rPr lang="fr-FR" dirty="0" smtClean="0"/>
+              <a:t>Git hub </a:t>
+            </a:r>
+            <a:r>
+              <a:rPr lang="fr-FR" dirty="0"/>
+              <a:t>: https://github.com/Colbert1/Projet_CrossLaPro</a:t>
+            </a:r>
+            <a:endParaRPr lang="fr-FR" dirty="0" smtClean="0"/>
+          </a:p>
+          <a:p>
+            <a:pPr marL="201168" lvl="1" indent="0">
+              <a:buNone/>
+            </a:pPr>
+            <a:r>
+              <a:rPr lang="fr-FR" dirty="0" smtClean="0"/>
+              <a:t>	</a:t>
+            </a:r>
+          </a:p>
+          <a:p>
+            <a:pPr lvl="1"/>
+            <a:endParaRPr lang="fr-FR" dirty="0" smtClean="0"/>
           </a:p>
           <a:p>
             <a:pPr marL="806450" lvl="2" indent="0">
@@ -7643,14 +9464,62 @@
       </p:sp>
       <p:pic>
         <p:nvPicPr>
-          <p:cNvPr id="7" name="Image 6"/>
+          <p:cNvPr id="6" name="Image 5"/>
           <p:cNvPicPr>
             <a:picLocks noChangeAspect="1"/>
           </p:cNvPicPr>
           <p:nvPr/>
         </p:nvPicPr>
         <p:blipFill>
-          <a:blip r:embed="rId2" cstate="email">
+          <a:blip r:embed="rId3"/>
+          <a:stretch>
+            <a:fillRect/>
+          </a:stretch>
+        </p:blipFill>
+        <p:spPr>
+          <a:xfrm>
+            <a:off x="6814116" y="3429243"/>
+            <a:ext cx="2234612" cy="1654821"/>
+          </a:xfrm>
+          <a:prstGeom prst="rect">
+            <a:avLst/>
+          </a:prstGeom>
+        </p:spPr>
+      </p:pic>
+      <p:pic>
+        <p:nvPicPr>
+          <p:cNvPr id="8" name="Image 7"/>
+          <p:cNvPicPr>
+            <a:picLocks noChangeAspect="1"/>
+          </p:cNvPicPr>
+          <p:nvPr/>
+        </p:nvPicPr>
+        <p:blipFill>
+          <a:blip r:embed="rId4"/>
+          <a:stretch>
+            <a:fillRect/>
+          </a:stretch>
+        </p:blipFill>
+        <p:spPr>
+          <a:xfrm>
+            <a:off x="92097" y="2974339"/>
+            <a:ext cx="6673229" cy="2559497"/>
+          </a:xfrm>
+          <a:prstGeom prst="rect">
+            <a:avLst/>
+          </a:prstGeom>
+        </p:spPr>
+      </p:pic>
+      <p:pic>
+        <p:nvPicPr>
+          <p:cNvPr id="9" name="Image 8"/>
+          <p:cNvPicPr>
+            <a:picLocks noChangeAspect="1"/>
+          </p:cNvPicPr>
+          <p:nvPr/>
+        </p:nvPicPr>
+        <p:blipFill>
+          <a:blip r:embed="rId5" cstate="email">
             <a:extLst>
               <a:ext uri="{28A0092B-C50C-407E-A947-70E740481C1C}">
                 <a14:useLocalDpi xmlns:a14="http://schemas.microsoft.com/office/drawing/2010/main" val="0"/>
@@ -7663,8 +9532,8 @@
         </p:blipFill>
         <p:spPr>
           <a:xfrm>
-            <a:off x="1720595" y="2164208"/>
-            <a:ext cx="5748528" cy="4113980"/>
+            <a:off x="7400559" y="-6080"/>
+            <a:ext cx="1743441" cy="1743441"/>
           </a:xfrm>
           <a:prstGeom prst="rect">
             <a:avLst/>
@@ -7674,13 +9543,20 @@
     </p:spTree>
     <p:extLst>
       <p:ext uri="{BB962C8B-B14F-4D97-AF65-F5344CB8AC3E}">
-        <p14:creationId xmlns:p14="http://schemas.microsoft.com/office/powerpoint/2010/main" val="1891709234"/>
+        <p14:creationId xmlns:p14="http://schemas.microsoft.com/office/powerpoint/2010/main" val="3091482950"/>
       </p:ext>
     </p:extLst>
   </p:cSld>
   <p:clrMapOvr>
     <a:masterClrMapping/>
   </p:clrMapOvr>
+  <p:timing>
+    <p:tnLst>
+      <p:par>
+        <p:cTn id="1" dur="indefinite" restart="never" nodeType="tmRoot"/>
+      </p:par>
+    </p:tnLst>
+  </p:timing>
 </p:sld>
 </file>
 
@@ -7718,9 +9594,75 @@
           <a:p>
             <a:r>
               <a:rPr lang="fr-FR" dirty="0" smtClean="0"/>
-              <a:t>MCD</a:t>
+              <a:t>Partie 1</a:t>
             </a:r>
             <a:endParaRPr lang="fr-FR" dirty="0"/>
+          </a:p>
+        </p:txBody>
+      </p:sp>
+      <p:sp>
+        <p:nvSpPr>
+          <p:cNvPr id="3" name="Espace réservé du contenu 2"/>
+          <p:cNvSpPr>
+            <a:spLocks noGrp="1"/>
+          </p:cNvSpPr>
+          <p:nvPr>
+            <p:ph idx="1"/>
+          </p:nvPr>
+        </p:nvSpPr>
+        <p:spPr>
+          <a:xfrm>
+            <a:off x="779462" y="1780378"/>
+            <a:ext cx="7581901" cy="3953436"/>
+          </a:xfrm>
+        </p:spPr>
+        <p:txBody>
+          <a:bodyPr>
+            <a:normAutofit/>
+          </a:bodyPr>
+          <a:lstStyle/>
+          <a:p>
+            <a:r>
+              <a:rPr lang="fr-FR" dirty="0" smtClean="0"/>
+              <a:t>Organisation du projet</a:t>
+            </a:r>
+          </a:p>
+          <a:p>
+            <a:pPr lvl="1"/>
+            <a:r>
+              <a:rPr lang="fr-FR" dirty="0" smtClean="0"/>
+              <a:t>Git hub </a:t>
+            </a:r>
+            <a:r>
+              <a:rPr lang="fr-FR" dirty="0"/>
+              <a:t>: https://github.com/Colbert1/Projet_CrossLaPro</a:t>
+            </a:r>
+            <a:endParaRPr lang="fr-FR" dirty="0" smtClean="0"/>
+          </a:p>
+          <a:p>
+            <a:pPr marL="201168" lvl="1" indent="0">
+              <a:buNone/>
+            </a:pPr>
+            <a:r>
+              <a:rPr lang="fr-FR" dirty="0" smtClean="0"/>
+              <a:t>	</a:t>
+            </a:r>
+          </a:p>
+          <a:p>
+            <a:pPr lvl="1"/>
+            <a:endParaRPr lang="fr-FR" dirty="0" smtClean="0"/>
+          </a:p>
+          <a:p>
+            <a:pPr marL="806450" lvl="2" indent="0">
+              <a:buNone/>
+            </a:pPr>
+            <a:endParaRPr lang="fr-FR" dirty="0"/>
+          </a:p>
+          <a:p>
+            <a:pPr marL="806450" lvl="2" indent="0">
+              <a:buNone/>
+            </a:pPr>
+            <a:endParaRPr lang="fr-FR" dirty="0" smtClean="0"/>
           </a:p>
         </p:txBody>
       </p:sp>
@@ -7768,14 +9710,14 @@
       </p:sp>
       <p:pic>
         <p:nvPicPr>
-          <p:cNvPr id="3" name="Image 2"/>
+          <p:cNvPr id="9" name="Image 8"/>
           <p:cNvPicPr>
             <a:picLocks noChangeAspect="1"/>
           </p:cNvPicPr>
           <p:nvPr/>
         </p:nvPicPr>
         <p:blipFill>
-          <a:blip r:embed="rId2">
+          <a:blip r:embed="rId3" cstate="email">
             <a:extLst>
               <a:ext uri="{28A0092B-C50C-407E-A947-70E740481C1C}">
                 <a14:useLocalDpi xmlns:a14="http://schemas.microsoft.com/office/drawing/2010/main" val="0"/>
@@ -7788,8 +9730,32 @@
         </p:blipFill>
         <p:spPr>
           <a:xfrm>
-            <a:off x="781227" y="1783947"/>
-            <a:ext cx="7585533" cy="4530957"/>
+            <a:off x="7400559" y="-6080"/>
+            <a:ext cx="1743441" cy="1743441"/>
+          </a:xfrm>
+          <a:prstGeom prst="rect">
+            <a:avLst/>
+          </a:prstGeom>
+        </p:spPr>
+      </p:pic>
+      <p:pic>
+        <p:nvPicPr>
+          <p:cNvPr id="7" name="Image 6"/>
+          <p:cNvPicPr>
+            <a:picLocks noChangeAspect="1"/>
+          </p:cNvPicPr>
+          <p:nvPr/>
+        </p:nvPicPr>
+        <p:blipFill>
+          <a:blip r:embed="rId4"/>
+          <a:stretch>
+            <a:fillRect/>
+          </a:stretch>
+        </p:blipFill>
+        <p:spPr>
+          <a:xfrm>
+            <a:off x="227647" y="2578989"/>
+            <a:ext cx="8734425" cy="2505075"/>
           </a:xfrm>
           <a:prstGeom prst="rect">
             <a:avLst/>
@@ -7799,13 +9765,20 @@
     </p:spTree>
     <p:extLst>
       <p:ext uri="{BB962C8B-B14F-4D97-AF65-F5344CB8AC3E}">
-        <p14:creationId xmlns:p14="http://schemas.microsoft.com/office/powerpoint/2010/main" val="2747144357"/>
+        <p14:creationId xmlns:p14="http://schemas.microsoft.com/office/powerpoint/2010/main" val="1914169961"/>
       </p:ext>
     </p:extLst>
   </p:cSld>
   <p:clrMapOvr>
     <a:masterClrMapping/>
   </p:clrMapOvr>
+  <p:timing>
+    <p:tnLst>
+      <p:par>
+        <p:cTn id="1" dur="indefinite" restart="never" nodeType="tmRoot"/>
+      </p:par>
+    </p:tnLst>
+  </p:timing>
 </p:sld>
 </file>
 

--- a/Ressources/Presentation_Projet_CrossLaPro_E3_Danel.pptx
+++ b/Ressources/Presentation_Projet_CrossLaPro_E3_Danel.pptx
@@ -235,7 +235,7 @@
           <a:p>
             <a:fld id="{3E28917A-E48B-2C40-856C-FBBAB21A1A37}" type="datetimeFigureOut">
               <a:rPr lang="fr-FR" smtClean="0"/>
-              <a:t>03/06/2021</a:t>
+              <a:t>07/06/2021</a:t>
             </a:fld>
             <a:endParaRPr lang="fr-FR"/>
           </a:p>
@@ -401,7 +401,7 @@
           <a:p>
             <a:fld id="{911B372C-BAD9-3344-84FB-7D687AFF6BB2}" type="datetimeFigureOut">
               <a:rPr lang="fr-FR" smtClean="0"/>
-              <a:t>03/06/2021</a:t>
+              <a:t>07/06/2021</a:t>
             </a:fld>
             <a:endParaRPr lang="fr-FR"/>
           </a:p>
@@ -1400,7 +1400,7 @@
           <a:p>
             <a:fld id="{4203FDDF-68DD-3048-B886-7A9FFCBFBDA2}" type="datetime1">
               <a:rPr lang="fr-FR" smtClean="0"/>
-              <a:t>03/06/2021</a:t>
+              <a:t>07/06/2021</a:t>
             </a:fld>
             <a:endParaRPr lang="en-US"/>
           </a:p>
@@ -1608,7 +1608,7 @@
           <a:p>
             <a:fld id="{2E8E3877-BDA2-2D41-BCF4-93E3C8745FB1}" type="datetime1">
               <a:rPr lang="fr-FR" smtClean="0"/>
-              <a:t>03/06/2021</a:t>
+              <a:t>07/06/2021</a:t>
             </a:fld>
             <a:endParaRPr lang="en-US"/>
           </a:p>
@@ -1864,7 +1864,7 @@
           <a:p>
             <a:fld id="{4432AC7B-93A3-6541-BF35-9B29BF6968EE}" type="datetime1">
               <a:rPr lang="fr-FR" smtClean="0"/>
-              <a:t>03/06/2021</a:t>
+              <a:t>07/06/2021</a:t>
             </a:fld>
             <a:endParaRPr lang="en-US"/>
           </a:p>
@@ -2034,7 +2034,7 @@
           <a:p>
             <a:fld id="{DBA638FD-D457-8545-9B53-33859610004F}" type="datetime1">
               <a:rPr lang="fr-FR" smtClean="0"/>
-              <a:t>03/06/2021</a:t>
+              <a:t>07/06/2021</a:t>
             </a:fld>
             <a:endParaRPr lang="en-US"/>
           </a:p>
@@ -2377,7 +2377,7 @@
           <a:p>
             <a:fld id="{A77A5EE7-9FEA-FF44-BA9C-1E89A3EA782F}" type="datetime1">
               <a:rPr lang="fr-FR" smtClean="0"/>
-              <a:t>03/06/2021</a:t>
+              <a:t>07/06/2021</a:t>
             </a:fld>
             <a:endParaRPr lang="en-US"/>
           </a:p>
@@ -2653,7 +2653,7 @@
           <a:p>
             <a:fld id="{B438C883-8C23-8E4F-81B6-61EBB788CAB0}" type="datetime1">
               <a:rPr lang="fr-FR" smtClean="0"/>
-              <a:t>03/06/2021</a:t>
+              <a:t>07/06/2021</a:t>
             </a:fld>
             <a:endParaRPr lang="en-US"/>
           </a:p>
@@ -3032,7 +3032,7 @@
           <a:p>
             <a:fld id="{B0123806-5818-6942-97D3-7CAF4CA7418C}" type="datetime1">
               <a:rPr lang="fr-FR" smtClean="0"/>
-              <a:t>03/06/2021</a:t>
+              <a:t>07/06/2021</a:t>
             </a:fld>
             <a:endParaRPr lang="en-US"/>
           </a:p>
@@ -3150,7 +3150,7 @@
           <a:p>
             <a:fld id="{0998520D-B64A-4D45-BA54-D6C0E854068C}" type="datetime1">
               <a:rPr lang="fr-FR" smtClean="0"/>
-              <a:t>03/06/2021</a:t>
+              <a:t>07/06/2021</a:t>
             </a:fld>
             <a:endParaRPr lang="en-US"/>
           </a:p>
@@ -3321,7 +3321,7 @@
           <a:p>
             <a:fld id="{92BD5457-AB9D-3A48-A917-8AD1B4CA7168}" type="datetime1">
               <a:rPr lang="fr-FR" smtClean="0"/>
-              <a:t>03/06/2021</a:t>
+              <a:t>07/06/2021</a:t>
             </a:fld>
             <a:endParaRPr lang="en-US"/>
           </a:p>
@@ -3675,7 +3675,7 @@
           <a:p>
             <a:fld id="{6A57480D-DCC0-C548-8C90-3170E546F090}" type="datetime1">
               <a:rPr lang="fr-FR" smtClean="0"/>
-              <a:t>03/06/2021</a:t>
+              <a:t>07/06/2021</a:t>
             </a:fld>
             <a:endParaRPr lang="en-US"/>
           </a:p>
@@ -4057,7 +4057,7 @@
           <a:p>
             <a:fld id="{4BA28627-39DE-5B4B-B75D-97460442AD94}" type="datetime1">
               <a:rPr lang="fr-FR" smtClean="0"/>
-              <a:t>03/06/2021</a:t>
+              <a:t>07/06/2021</a:t>
             </a:fld>
             <a:endParaRPr lang="en-US"/>
           </a:p>
@@ -4344,7 +4344,7 @@
           <a:p>
             <a:fld id="{A77A5EE7-9FEA-FF44-BA9C-1E89A3EA782F}" type="datetime1">
               <a:rPr lang="fr-FR" smtClean="0"/>
-              <a:t>03/06/2021</a:t>
+              <a:t>07/06/2021</a:t>
             </a:fld>
             <a:endParaRPr lang="en-US"/>
           </a:p>
@@ -5181,7 +5181,7 @@
       </p:pic>
       <p:pic>
         <p:nvPicPr>
-          <p:cNvPr id="7" name="Image 6"/>
+          <p:cNvPr id="6" name="Image 5"/>
           <p:cNvPicPr>
             <a:picLocks noChangeAspect="1"/>
           </p:cNvPicPr>
@@ -5195,8 +5195,8 @@
         </p:blipFill>
         <p:spPr>
           <a:xfrm>
-            <a:off x="779462" y="2347546"/>
-            <a:ext cx="6526680" cy="3972291"/>
+            <a:off x="1281612" y="2463333"/>
+            <a:ext cx="6577599" cy="3811686"/>
           </a:xfrm>
           <a:prstGeom prst="rect">
             <a:avLst/>
@@ -5391,7 +5391,7 @@
       </p:pic>
       <p:pic>
         <p:nvPicPr>
-          <p:cNvPr id="7" name="Image 6"/>
+          <p:cNvPr id="9" name="Image 8"/>
           <p:cNvPicPr>
             <a:picLocks noChangeAspect="1"/>
           </p:cNvPicPr>
@@ -5405,8 +5405,8 @@
         </p:blipFill>
         <p:spPr>
           <a:xfrm>
-            <a:off x="1310294" y="2381250"/>
-            <a:ext cx="6115050" cy="3924300"/>
+            <a:off x="1320924" y="2389980"/>
+            <a:ext cx="6502152" cy="3914837"/>
           </a:xfrm>
           <a:prstGeom prst="rect">
             <a:avLst/>
@@ -6937,11 +6937,7 @@
             <a:pPr lvl="2"/>
             <a:r>
               <a:rPr lang="fr-FR" dirty="0" smtClean="0"/>
-              <a:t>- Choix </a:t>
-            </a:r>
-            <a:r>
-              <a:rPr lang="fr-FR" dirty="0" smtClean="0"/>
-              <a:t>logiciel</a:t>
+              <a:t>- Choix logiciel</a:t>
             </a:r>
           </a:p>
           <a:p>
@@ -6950,7 +6946,6 @@
               <a:rPr lang="fr-FR" dirty="0" smtClean="0"/>
               <a:t>- Coût estimé</a:t>
             </a:r>
-            <a:endParaRPr lang="fr-FR" dirty="0" smtClean="0"/>
           </a:p>
           <a:p>
             <a:pPr lvl="2"/>
@@ -9033,8 +9028,13 @@
             </a:pPr>
             <a:r>
               <a:rPr lang="fr-FR" dirty="0" smtClean="0"/>
-              <a:t>180h * 10,25€/h = 1845€</a:t>
-            </a:r>
+              <a:t>180h * 10,25€/h = </a:t>
+            </a:r>
+            <a:r>
+              <a:rPr lang="fr-FR" dirty="0" smtClean="0"/>
+              <a:t>2050€</a:t>
+            </a:r>
+            <a:endParaRPr lang="fr-FR" dirty="0" smtClean="0"/>
           </a:p>
           <a:p>
             <a:pPr marL="0" indent="0">
@@ -9048,7 +9048,19 @@
             </a:pPr>
             <a:r>
               <a:rPr lang="fr-FR" dirty="0" smtClean="0"/>
-              <a:t>Pseudo coût de 1845€ + 239€ de matériel Wi-Fi = 2084€</a:t>
+              <a:t>Pseudo coût de </a:t>
+            </a:r>
+            <a:r>
+              <a:rPr lang="fr-FR" dirty="0" smtClean="0"/>
+              <a:t>2050€ </a:t>
+            </a:r>
+            <a:r>
+              <a:rPr lang="fr-FR" dirty="0" smtClean="0"/>
+              <a:t>+ 239€ de matériel Wi-Fi = </a:t>
+            </a:r>
+            <a:r>
+              <a:rPr lang="fr-FR" dirty="0" smtClean="0"/>
+              <a:t>2289€</a:t>
             </a:r>
             <a:endParaRPr lang="fr-FR" dirty="0" smtClean="0"/>
           </a:p>
